--- a/presentation/presentation.pptx
+++ b/presentation/presentation.pptx
@@ -8,10 +8,12 @@
     <p:sldId id="256" r:id="rId2"/>
     <p:sldId id="257" r:id="rId3"/>
     <p:sldId id="258" r:id="rId4"/>
-    <p:sldId id="259" r:id="rId5"/>
-    <p:sldId id="260" r:id="rId6"/>
-    <p:sldId id="261" r:id="rId7"/>
-    <p:sldId id="262" r:id="rId8"/>
+    <p:sldId id="263" r:id="rId5"/>
+    <p:sldId id="264" r:id="rId6"/>
+    <p:sldId id="259" r:id="rId7"/>
+    <p:sldId id="260" r:id="rId8"/>
+    <p:sldId id="261" r:id="rId9"/>
+    <p:sldId id="262" r:id="rId10"/>
   </p:sldIdLst>
   <p:sldSz cx="12192000" cy="6858000"/>
   <p:notesSz cx="6858000" cy="9144000"/>
@@ -110,6 +112,11 @@
       </a:defRPr>
     </a:lvl9pPr>
   </p:defaultTextStyle>
+  <p:extLst>
+    <p:ext uri="{EFAFB233-063F-42B5-8137-9DF3F51BA10A}">
+      <p15:sldGuideLst xmlns:p15="http://schemas.microsoft.com/office/powerpoint/2012/main"/>
+    </p:ext>
+  </p:extLst>
 </p:presentation>
 </file>
 
@@ -276,7 +283,7 @@
           <a:p>
             <a:fld id="{E5548933-594C-C348-A028-92B6AFDEB96E}" type="datetimeFigureOut">
               <a:rPr lang="en-US" smtClean="0"/>
-              <a:t>4/8/18</a:t>
+              <a:t>4/10/18</a:t>
             </a:fld>
             <a:endParaRPr lang="en-US"/>
           </a:p>
@@ -446,7 +453,7 @@
           <a:p>
             <a:fld id="{E5548933-594C-C348-A028-92B6AFDEB96E}" type="datetimeFigureOut">
               <a:rPr lang="en-US" smtClean="0"/>
-              <a:t>4/8/18</a:t>
+              <a:t>4/10/18</a:t>
             </a:fld>
             <a:endParaRPr lang="en-US"/>
           </a:p>
@@ -626,7 +633,7 @@
           <a:p>
             <a:fld id="{E5548933-594C-C348-A028-92B6AFDEB96E}" type="datetimeFigureOut">
               <a:rPr lang="en-US" smtClean="0"/>
-              <a:t>4/8/18</a:t>
+              <a:t>4/10/18</a:t>
             </a:fld>
             <a:endParaRPr lang="en-US"/>
           </a:p>
@@ -796,7 +803,7 @@
           <a:p>
             <a:fld id="{E5548933-594C-C348-A028-92B6AFDEB96E}" type="datetimeFigureOut">
               <a:rPr lang="en-US" smtClean="0"/>
-              <a:t>4/8/18</a:t>
+              <a:t>4/10/18</a:t>
             </a:fld>
             <a:endParaRPr lang="en-US"/>
           </a:p>
@@ -1064,7 +1071,7 @@
           <a:p>
             <a:fld id="{E5548933-594C-C348-A028-92B6AFDEB96E}" type="datetimeFigureOut">
               <a:rPr lang="en-US" smtClean="0"/>
-              <a:t>4/8/18</a:t>
+              <a:t>4/10/18</a:t>
             </a:fld>
             <a:endParaRPr lang="en-US"/>
           </a:p>
@@ -1296,7 +1303,7 @@
           <a:p>
             <a:fld id="{E5548933-594C-C348-A028-92B6AFDEB96E}" type="datetimeFigureOut">
               <a:rPr lang="en-US" smtClean="0"/>
-              <a:t>4/8/18</a:t>
+              <a:t>4/10/18</a:t>
             </a:fld>
             <a:endParaRPr lang="en-US"/>
           </a:p>
@@ -1655,7 +1662,7 @@
           <a:p>
             <a:fld id="{E5548933-594C-C348-A028-92B6AFDEB96E}" type="datetimeFigureOut">
               <a:rPr lang="en-US" smtClean="0"/>
-              <a:t>4/8/18</a:t>
+              <a:t>4/10/18</a:t>
             </a:fld>
             <a:endParaRPr lang="en-US"/>
           </a:p>
@@ -1796,7 +1803,7 @@
           <a:p>
             <a:fld id="{E5548933-594C-C348-A028-92B6AFDEB96E}" type="datetimeFigureOut">
               <a:rPr lang="en-US" smtClean="0"/>
-              <a:t>4/8/18</a:t>
+              <a:t>4/10/18</a:t>
             </a:fld>
             <a:endParaRPr lang="en-US"/>
           </a:p>
@@ -1891,7 +1898,7 @@
           <a:p>
             <a:fld id="{E5548933-594C-C348-A028-92B6AFDEB96E}" type="datetimeFigureOut">
               <a:rPr lang="en-US" smtClean="0"/>
-              <a:t>4/8/18</a:t>
+              <a:t>4/10/18</a:t>
             </a:fld>
             <a:endParaRPr lang="en-US"/>
           </a:p>
@@ -2248,7 +2255,7 @@
           <a:p>
             <a:fld id="{E5548933-594C-C348-A028-92B6AFDEB96E}" type="datetimeFigureOut">
               <a:rPr lang="en-US" smtClean="0"/>
-              <a:t>4/8/18</a:t>
+              <a:t>4/10/18</a:t>
             </a:fld>
             <a:endParaRPr lang="en-US"/>
           </a:p>
@@ -2605,7 +2612,7 @@
           <a:p>
             <a:fld id="{E5548933-594C-C348-A028-92B6AFDEB96E}" type="datetimeFigureOut">
               <a:rPr lang="en-US" smtClean="0"/>
-              <a:t>4/8/18</a:t>
+              <a:t>4/10/18</a:t>
             </a:fld>
             <a:endParaRPr lang="en-US"/>
           </a:p>
@@ -2846,7 +2853,7 @@
           <a:p>
             <a:fld id="{E5548933-594C-C348-A028-92B6AFDEB96E}" type="datetimeFigureOut">
               <a:rPr lang="en-US" smtClean="0"/>
-              <a:t>4/8/18</a:t>
+              <a:t>4/10/18</a:t>
             </a:fld>
             <a:endParaRPr lang="en-US"/>
           </a:p>
@@ -3311,7 +3318,7 @@
           <p:cNvPr id="9" name="Rectangle 8">
             <a:extLst>
               <a:ext uri="{FF2B5EF4-FFF2-40B4-BE49-F238E27FC236}">
-                <a16:creationId xmlns:a16="http://schemas.microsoft.com/office/drawing/2014/main" xmlns="" id="{17928EA2-88ED-424C-A811-B45B398FBAFA}"/>
+                <a16:creationId xmlns="" xmlns:a16="http://schemas.microsoft.com/office/drawing/2014/main" id="{17928EA2-88ED-424C-A811-B45B398FBAFA}"/>
               </a:ext>
             </a:extLst>
           </p:cNvPr>
@@ -3400,7 +3407,7 @@
           <p:cNvPr id="11" name="Rectangle 10">
             <a:extLst>
               <a:ext uri="{FF2B5EF4-FFF2-40B4-BE49-F238E27FC236}">
-                <a16:creationId xmlns:a16="http://schemas.microsoft.com/office/drawing/2014/main" xmlns="" id="{304F0B90-9D71-4D15-94CC-B9E1F445BA28}"/>
+                <a16:creationId xmlns="" xmlns:a16="http://schemas.microsoft.com/office/drawing/2014/main" id="{304F0B90-9D71-4D15-94CC-B9E1F445BA28}"/>
               </a:ext>
             </a:extLst>
           </p:cNvPr>
@@ -3873,52 +3880,39 @@
           <a:chExt cx="0" cy="0"/>
         </a:xfrm>
       </p:grpSpPr>
-      <p:sp>
-        <p:nvSpPr>
-          <p:cNvPr id="2" name="Title 1"/>
-          <p:cNvSpPr>
-            <a:spLocks noGrp="1"/>
-          </p:cNvSpPr>
-          <p:nvPr>
-            <p:ph type="title"/>
-          </p:nvPr>
-        </p:nvSpPr>
-        <p:spPr/>
-        <p:txBody>
-          <a:bodyPr/>
-          <a:lstStyle/>
-          <a:p>
-            <a:r>
-              <a:rPr lang="en-US" dirty="0" smtClean="0"/>
-              <a:t>Architecture</a:t>
-            </a:r>
-            <a:endParaRPr lang="en-US" dirty="0"/>
-          </a:p>
-        </p:txBody>
-      </p:sp>
-      <p:sp>
-        <p:nvSpPr>
-          <p:cNvPr id="3" name="Content Placeholder 2"/>
-          <p:cNvSpPr>
-            <a:spLocks noGrp="1"/>
-          </p:cNvSpPr>
+      <p:pic>
+        <p:nvPicPr>
+          <p:cNvPr id="4" name="Content Placeholder 3"/>
+          <p:cNvPicPr>
+            <a:picLocks noGrp="1" noChangeAspect="1"/>
+          </p:cNvPicPr>
           <p:nvPr>
             <p:ph idx="1"/>
           </p:nvPr>
-        </p:nvSpPr>
-        <p:spPr/>
-        <p:txBody>
-          <a:bodyPr/>
-          <a:lstStyle/>
-          <a:p>
-            <a:endParaRPr lang="en-US"/>
-          </a:p>
-        </p:txBody>
-      </p:sp>
+        </p:nvPicPr>
+        <p:blipFill>
+          <a:blip r:embed="rId2">
+            <a:extLst>
+              <a:ext uri="{28A0092B-C50C-407E-A947-70E740481C1C}">
+                <a14:useLocalDpi xmlns:a14="http://schemas.microsoft.com/office/drawing/2010/main" val="0"/>
+              </a:ext>
+            </a:extLst>
+          </a:blip>
+          <a:stretch>
+            <a:fillRect/>
+          </a:stretch>
+        </p:blipFill>
+        <p:spPr>
+          <a:xfrm>
+            <a:off x="963479" y="1478072"/>
+            <a:ext cx="10435205" cy="3899095"/>
+          </a:xfrm>
+        </p:spPr>
+      </p:pic>
     </p:spTree>
     <p:extLst>
       <p:ext uri="{BB962C8B-B14F-4D97-AF65-F5344CB8AC3E}">
-        <p14:creationId xmlns:p14="http://schemas.microsoft.com/office/powerpoint/2010/main" val="9398652"/>
+        <p14:creationId xmlns:p14="http://schemas.microsoft.com/office/powerpoint/2010/main" val="917175741"/>
       </p:ext>
     </p:extLst>
   </p:cSld>
@@ -3969,15 +3963,7 @@
           <a:p>
             <a:r>
               <a:rPr lang="en-US" dirty="0" smtClean="0"/>
-              <a:t>Technical </a:t>
-            </a:r>
-            <a:r>
-              <a:rPr lang="en-US" dirty="0"/>
-              <a:t>a</a:t>
-            </a:r>
-            <a:r>
-              <a:rPr lang="en-US" dirty="0" smtClean="0"/>
-              <a:t>spects of the method</a:t>
+              <a:t>Main contributions</a:t>
             </a:r>
             <a:endParaRPr lang="en-US" dirty="0"/>
           </a:p>
@@ -3995,27 +3981,1149 @@
         </p:nvSpPr>
         <p:spPr/>
         <p:txBody>
-          <a:bodyPr/>
-          <a:lstStyle/>
-          <a:p>
-            <a:endParaRPr lang="en-US"/>
+          <a:bodyPr>
+            <a:noAutofit/>
+          </a:bodyPr>
+          <a:lstStyle/>
+          <a:p>
+            <a:r>
+              <a:rPr lang="en-US" sz="2000" dirty="0"/>
+              <a:t>Developed a crowdsourced pipeline to collect pairings </a:t>
+            </a:r>
+            <a:r>
+              <a:rPr lang="en-US" sz="2000" dirty="0" smtClean="0"/>
+              <a:t>between in-situ </a:t>
+            </a:r>
+            <a:r>
+              <a:rPr lang="en-US" sz="2000" dirty="0"/>
+              <a:t>images and their corresponding product images</a:t>
+            </a:r>
+            <a:r>
+              <a:rPr lang="en-US" sz="2000" dirty="0" smtClean="0"/>
+              <a:t>.</a:t>
+            </a:r>
+          </a:p>
+          <a:p>
+            <a:r>
+              <a:rPr lang="en-US" sz="2000" dirty="0" smtClean="0"/>
+              <a:t>Showed </a:t>
+            </a:r>
+            <a:r>
+              <a:rPr lang="en-US" sz="2000" dirty="0"/>
+              <a:t>how this data can be combined with a </a:t>
+            </a:r>
+            <a:r>
+              <a:rPr lang="en-US" sz="2000" dirty="0" err="1"/>
+              <a:t>siamese</a:t>
+            </a:r>
+            <a:r>
+              <a:rPr lang="en-US" sz="2000" dirty="0"/>
+              <a:t> </a:t>
+            </a:r>
+            <a:r>
+              <a:rPr lang="en-US" sz="2000" dirty="0" smtClean="0"/>
+              <a:t>CNN to </a:t>
+            </a:r>
+            <a:r>
+              <a:rPr lang="en-US" sz="2000" dirty="0"/>
+              <a:t>learn a high quality embedding. </a:t>
+            </a:r>
+            <a:endParaRPr lang="en-US" sz="2000" dirty="0" smtClean="0"/>
+          </a:p>
+          <a:p>
+            <a:r>
+              <a:rPr lang="en-US" sz="2000" dirty="0" smtClean="0"/>
+              <a:t>Applied </a:t>
+            </a:r>
+            <a:r>
+              <a:rPr lang="en-US" sz="2000" dirty="0"/>
+              <a:t>this embedding to image search applications </a:t>
+            </a:r>
+            <a:r>
+              <a:rPr lang="en-US" sz="2000" dirty="0" smtClean="0"/>
+              <a:t>like finding </a:t>
+            </a:r>
+            <a:r>
+              <a:rPr lang="en-US" sz="2000" dirty="0"/>
+              <a:t>a product, finding designer scenes that use a product</a:t>
+            </a:r>
+            <a:r>
+              <a:rPr lang="en-US" sz="2000" dirty="0" smtClean="0"/>
+              <a:t>, and </a:t>
+            </a:r>
+            <a:r>
+              <a:rPr lang="en-US" sz="2000" dirty="0"/>
+              <a:t>finding visually similar products across categories.</a:t>
+            </a:r>
           </a:p>
         </p:txBody>
       </p:sp>
     </p:spTree>
     <p:extLst>
       <p:ext uri="{BB962C8B-B14F-4D97-AF65-F5344CB8AC3E}">
-        <p14:creationId xmlns:p14="http://schemas.microsoft.com/office/powerpoint/2010/main" val="1638203724"/>
+        <p14:creationId xmlns:p14="http://schemas.microsoft.com/office/powerpoint/2010/main" val="2053803963"/>
       </p:ext>
     </p:extLst>
   </p:cSld>
   <p:clrMapOvr>
     <a:masterClrMapping/>
   </p:clrMapOvr>
+  <p:timing>
+    <p:tnLst>
+      <p:par>
+        <p:cTn id="1" dur="indefinite" restart="never" nodeType="tmRoot"/>
+      </p:par>
+    </p:tnLst>
+  </p:timing>
 </p:sld>
 </file>
 
 <file path=ppt/slides/slide6.xml><?xml version="1.0" encoding="utf-8"?>
+<p:sld xmlns:a="http://schemas.openxmlformats.org/drawingml/2006/main" xmlns:r="http://schemas.openxmlformats.org/officeDocument/2006/relationships" xmlns:p="http://schemas.openxmlformats.org/presentationml/2006/main">
+  <p:cSld>
+    <p:bg>
+      <p:bgPr>
+        <a:solidFill>
+          <a:schemeClr val="bg1">
+            <a:lumMod val="95000"/>
+          </a:schemeClr>
+        </a:solidFill>
+        <a:effectLst/>
+      </p:bgPr>
+    </p:bg>
+    <p:spTree>
+      <p:nvGrpSpPr>
+        <p:cNvPr id="1" name=""/>
+        <p:cNvGrpSpPr/>
+        <p:nvPr/>
+      </p:nvGrpSpPr>
+      <p:grpSpPr>
+        <a:xfrm>
+          <a:off x="0" y="0"/>
+          <a:ext cx="0" cy="0"/>
+          <a:chOff x="0" y="0"/>
+          <a:chExt cx="0" cy="0"/>
+        </a:xfrm>
+      </p:grpSpPr>
+      <p:sp useBgFill="1">
+        <p:nvSpPr>
+          <p:cNvPr id="12" name="Rectangle 11">
+            <a:extLst>
+              <a:ext uri="{FF2B5EF4-FFF2-40B4-BE49-F238E27FC236}">
+                <a16:creationId xmlns:a16="http://schemas.microsoft.com/office/drawing/2014/main" xmlns="" id="{1660E788-AFA9-4A1B-9991-6AA74632A15B}"/>
+              </a:ext>
+            </a:extLst>
+          </p:cNvPr>
+          <p:cNvSpPr>
+            <a:spLocks noGrp="1" noRot="1" noChangeAspect="1" noMove="1" noResize="1" noEditPoints="1" noAdjustHandles="1" noChangeArrowheads="1" noChangeShapeType="1" noTextEdit="1"/>
+          </p:cNvSpPr>
+          <p:nvPr>
+            <p:extLst>
+              <p:ext uri="{386F3935-93C4-4BCD-93E2-E3B085C9AB24}">
+                <p16:designElem xmlns:p16="http://schemas.microsoft.com/office/powerpoint/2015/main" val="1"/>
+              </p:ext>
+            </p:extLst>
+          </p:nvPr>
+        </p:nvSpPr>
+        <p:spPr>
+          <a:xfrm>
+            <a:off x="0" y="0"/>
+            <a:ext cx="12191999" cy="6858000"/>
+          </a:xfrm>
+          <a:prstGeom prst="rect">
+            <a:avLst/>
+          </a:prstGeom>
+          <a:ln>
+            <a:noFill/>
+          </a:ln>
+        </p:spPr>
+        <p:style>
+          <a:lnRef idx="2">
+            <a:schemeClr val="accent1">
+              <a:shade val="50000"/>
+            </a:schemeClr>
+          </a:lnRef>
+          <a:fillRef idx="1">
+            <a:schemeClr val="accent1"/>
+          </a:fillRef>
+          <a:effectRef idx="0">
+            <a:schemeClr val="accent1"/>
+          </a:effectRef>
+          <a:fontRef idx="minor">
+            <a:schemeClr val="lt1"/>
+          </a:fontRef>
+        </p:style>
+        <p:txBody>
+          <a:bodyPr rtlCol="0" anchor="ctr"/>
+          <a:lstStyle/>
+          <a:p>
+            <a:pPr algn="ctr"/>
+            <a:endParaRPr lang="en-US"/>
+          </a:p>
+        </p:txBody>
+      </p:sp>
+      <p:sp>
+        <p:nvSpPr>
+          <p:cNvPr id="14" name="Rectangle 13">
+            <a:extLst>
+              <a:ext uri="{FF2B5EF4-FFF2-40B4-BE49-F238E27FC236}">
+                <a16:creationId xmlns:a16="http://schemas.microsoft.com/office/drawing/2014/main" xmlns="" id="{867D4867-5BA7-4462-B2F6-A23F4A622AA7}"/>
+              </a:ext>
+            </a:extLst>
+          </p:cNvPr>
+          <p:cNvSpPr>
+            <a:spLocks noGrp="1" noRot="1" noChangeAspect="1" noMove="1" noResize="1" noEditPoints="1" noAdjustHandles="1" noChangeArrowheads="1" noChangeShapeType="1" noTextEdit="1"/>
+          </p:cNvSpPr>
+          <p:nvPr>
+            <p:extLst>
+              <p:ext uri="{386F3935-93C4-4BCD-93E2-E3B085C9AB24}">
+                <p16:designElem xmlns:p16="http://schemas.microsoft.com/office/powerpoint/2015/main" val="1"/>
+              </p:ext>
+            </p:extLst>
+          </p:nvPr>
+        </p:nvSpPr>
+        <p:spPr>
+          <a:xfrm>
+            <a:off x="0" y="0"/>
+            <a:ext cx="4654296" cy="6858000"/>
+          </a:xfrm>
+          <a:prstGeom prst="rect">
+            <a:avLst/>
+          </a:prstGeom>
+          <a:solidFill>
+            <a:schemeClr val="tx2"/>
+          </a:solidFill>
+          <a:ln>
+            <a:noFill/>
+          </a:ln>
+        </p:spPr>
+        <p:style>
+          <a:lnRef idx="0">
+            <a:scrgbClr r="0" g="0" b="0"/>
+          </a:lnRef>
+          <a:fillRef idx="0">
+            <a:scrgbClr r="0" g="0" b="0"/>
+          </a:fillRef>
+          <a:effectRef idx="0">
+            <a:scrgbClr r="0" g="0" b="0"/>
+          </a:effectRef>
+          <a:fontRef idx="minor">
+            <a:schemeClr val="lt1"/>
+          </a:fontRef>
+        </p:style>
+        <p:txBody>
+          <a:bodyPr rtlCol="0" anchor="ctr"/>
+          <a:lstStyle/>
+          <a:p>
+            <a:pPr algn="ctr"/>
+            <a:endParaRPr lang="en-US"/>
+          </a:p>
+        </p:txBody>
+      </p:sp>
+      <p:pic>
+        <p:nvPicPr>
+          <p:cNvPr id="7" name="Content Placeholder 3"/>
+          <p:cNvPicPr>
+            <a:picLocks noChangeAspect="1"/>
+          </p:cNvPicPr>
+          <p:nvPr/>
+        </p:nvPicPr>
+        <p:blipFill>
+          <a:blip r:embed="rId2">
+            <a:extLst>
+              <a:ext uri="{28A0092B-C50C-407E-A947-70E740481C1C}">
+                <a14:useLocalDpi xmlns:a14="http://schemas.microsoft.com/office/drawing/2010/main" val="0"/>
+              </a:ext>
+            </a:extLst>
+          </a:blip>
+          <a:stretch>
+            <a:fillRect/>
+          </a:stretch>
+        </p:blipFill>
+        <p:spPr>
+          <a:xfrm>
+            <a:off x="5297763" y="1707739"/>
+            <a:ext cx="6250769" cy="3281654"/>
+          </a:xfrm>
+          <a:prstGeom prst="rect">
+            <a:avLst/>
+          </a:prstGeom>
+        </p:spPr>
+      </p:pic>
+      <p:sp>
+        <p:nvSpPr>
+          <p:cNvPr id="2" name="Title 1"/>
+          <p:cNvSpPr>
+            <a:spLocks noGrp="1"/>
+          </p:cNvSpPr>
+          <p:nvPr>
+            <p:ph type="title"/>
+          </p:nvPr>
+        </p:nvSpPr>
+        <p:spPr>
+          <a:xfrm>
+            <a:off x="511501" y="317792"/>
+            <a:ext cx="3627908" cy="797026"/>
+          </a:xfrm>
+          <a:noFill/>
+          <a:ln>
+            <a:solidFill>
+              <a:schemeClr val="bg1"/>
+            </a:solidFill>
+          </a:ln>
+        </p:spPr>
+        <p:txBody>
+          <a:bodyPr wrap="square">
+            <a:normAutofit/>
+          </a:bodyPr>
+          <a:lstStyle/>
+          <a:p>
+            <a:r>
+              <a:rPr lang="en-US" dirty="0" smtClean="0">
+                <a:solidFill>
+                  <a:schemeClr val="bg1"/>
+                </a:solidFill>
+              </a:rPr>
+              <a:t>Architectures</a:t>
+            </a:r>
+            <a:endParaRPr lang="en-US" dirty="0">
+              <a:solidFill>
+                <a:schemeClr val="bg1"/>
+              </a:solidFill>
+            </a:endParaRPr>
+          </a:p>
+        </p:txBody>
+      </p:sp>
+      <p:sp>
+        <p:nvSpPr>
+          <p:cNvPr id="9" name="Content Placeholder 8">
+            <a:extLst>
+              <a:ext uri="{FF2B5EF4-FFF2-40B4-BE49-F238E27FC236}">
+                <a16:creationId xmlns:a16="http://schemas.microsoft.com/office/drawing/2014/main" xmlns="" id="{5C8CA0C8-BF57-467C-BCA4-2A4D09D78B2B}"/>
+              </a:ext>
+            </a:extLst>
+          </p:cNvPr>
+          <p:cNvSpPr>
+            <a:spLocks noGrp="1"/>
+          </p:cNvSpPr>
+          <p:nvPr>
+            <p:ph idx="1"/>
+          </p:nvPr>
+        </p:nvSpPr>
+        <p:spPr>
+          <a:xfrm>
+            <a:off x="511501" y="1340285"/>
+            <a:ext cx="3627907" cy="5223353"/>
+          </a:xfrm>
+        </p:spPr>
+        <p:txBody>
+          <a:bodyPr>
+            <a:normAutofit fontScale="92500"/>
+          </a:bodyPr>
+          <a:lstStyle/>
+          <a:p>
+            <a:pPr marL="342900" lvl="0" indent="-342900">
+              <a:spcBef>
+                <a:spcPts val="0"/>
+              </a:spcBef>
+              <a:buClrTx/>
+              <a:buAutoNum type="alphaUcParenBoth"/>
+            </a:pPr>
+            <a:r>
+              <a:rPr lang="en-US" dirty="0" smtClean="0">
+                <a:solidFill>
+                  <a:schemeClr val="bg1"/>
+                </a:solidFill>
+              </a:rPr>
+              <a:t>a </a:t>
+            </a:r>
+            <a:r>
+              <a:rPr lang="en-US" dirty="0">
+                <a:solidFill>
+                  <a:schemeClr val="bg1"/>
+                </a:solidFill>
+              </a:rPr>
+              <a:t>CNN that is used for </a:t>
+            </a:r>
+            <a:r>
+              <a:rPr lang="en-US" dirty="0" smtClean="0">
+                <a:solidFill>
+                  <a:schemeClr val="bg1"/>
+                </a:solidFill>
+              </a:rPr>
+              <a:t>classification and </a:t>
+            </a:r>
+            <a:r>
+              <a:rPr lang="en-US" dirty="0">
+                <a:solidFill>
+                  <a:schemeClr val="bg1"/>
+                </a:solidFill>
+              </a:rPr>
+              <a:t>then re-purposed as an </a:t>
+            </a:r>
+            <a:r>
+              <a:rPr lang="en-US" dirty="0" smtClean="0">
+                <a:solidFill>
+                  <a:schemeClr val="bg1"/>
+                </a:solidFill>
+              </a:rPr>
+              <a:t>embedding</a:t>
+            </a:r>
+          </a:p>
+          <a:p>
+            <a:pPr marL="342900" lvl="0" indent="-342900">
+              <a:spcBef>
+                <a:spcPts val="0"/>
+              </a:spcBef>
+              <a:buClrTx/>
+              <a:buAutoNum type="alphaUcParenBoth"/>
+            </a:pPr>
+            <a:endParaRPr lang="en-US" dirty="0" smtClean="0">
+              <a:solidFill>
+                <a:schemeClr val="bg1"/>
+              </a:solidFill>
+            </a:endParaRPr>
+          </a:p>
+          <a:p>
+            <a:pPr marL="342900" lvl="0" indent="-342900">
+              <a:spcBef>
+                <a:spcPts val="0"/>
+              </a:spcBef>
+              <a:buClrTx/>
+              <a:buAutoNum type="alphaUcParenBoth"/>
+            </a:pPr>
+            <a:r>
+              <a:rPr lang="en-US" dirty="0">
+                <a:solidFill>
+                  <a:schemeClr val="bg1"/>
+                </a:solidFill>
+              </a:rPr>
+              <a:t>directly training </a:t>
+            </a:r>
+            <a:r>
+              <a:rPr lang="en-US" dirty="0" smtClean="0">
+                <a:solidFill>
+                  <a:schemeClr val="bg1"/>
+                </a:solidFill>
+              </a:rPr>
+              <a:t>an embedding</a:t>
+            </a:r>
+          </a:p>
+          <a:p>
+            <a:pPr marL="342900" lvl="0" indent="-342900">
+              <a:spcBef>
+                <a:spcPts val="0"/>
+              </a:spcBef>
+              <a:buClrTx/>
+              <a:buAutoNum type="alphaUcParenBoth"/>
+            </a:pPr>
+            <a:endParaRPr lang="en-US" dirty="0" smtClean="0">
+              <a:solidFill>
+                <a:schemeClr val="bg1"/>
+              </a:solidFill>
+            </a:endParaRPr>
+          </a:p>
+          <a:p>
+            <a:pPr marL="342900" lvl="0" indent="-342900">
+              <a:spcBef>
+                <a:spcPts val="0"/>
+              </a:spcBef>
+              <a:buClrTx/>
+              <a:buAutoNum type="alphaUcParenBoth"/>
+            </a:pPr>
+            <a:r>
+              <a:rPr lang="en-US" dirty="0" smtClean="0">
+                <a:solidFill>
+                  <a:schemeClr val="bg1"/>
+                </a:solidFill>
+              </a:rPr>
+              <a:t> also </a:t>
+            </a:r>
+            <a:r>
+              <a:rPr lang="en-US" dirty="0">
+                <a:solidFill>
+                  <a:schemeClr val="bg1"/>
+                </a:solidFill>
+              </a:rPr>
+              <a:t>predicting the object categories </a:t>
+            </a:r>
+            <a:r>
+              <a:rPr lang="en-US" dirty="0" err="1">
+                <a:solidFill>
+                  <a:schemeClr val="bg1"/>
+                </a:solidFill>
+              </a:rPr>
+              <a:t>Cq</a:t>
+            </a:r>
+            <a:r>
+              <a:rPr lang="en-US" dirty="0">
+                <a:solidFill>
+                  <a:schemeClr val="bg1"/>
+                </a:solidFill>
+              </a:rPr>
+              <a:t>, </a:t>
+            </a:r>
+            <a:r>
+              <a:rPr lang="en-US" dirty="0" err="1" smtClean="0">
+                <a:solidFill>
+                  <a:schemeClr val="bg1"/>
+                </a:solidFill>
+              </a:rPr>
+              <a:t>Cp</a:t>
+            </a:r>
+            <a:endParaRPr lang="en-US" dirty="0" smtClean="0">
+              <a:solidFill>
+                <a:schemeClr val="bg1"/>
+              </a:solidFill>
+            </a:endParaRPr>
+          </a:p>
+          <a:p>
+            <a:pPr marL="342900" lvl="0" indent="-342900">
+              <a:spcBef>
+                <a:spcPts val="0"/>
+              </a:spcBef>
+              <a:buClrTx/>
+              <a:buAutoNum type="alphaUcParenBoth"/>
+            </a:pPr>
+            <a:endParaRPr lang="en-US" dirty="0">
+              <a:solidFill>
+                <a:schemeClr val="bg1"/>
+              </a:solidFill>
+            </a:endParaRPr>
+          </a:p>
+          <a:p>
+            <a:pPr marL="342900" lvl="0" indent="-342900">
+              <a:spcBef>
+                <a:spcPts val="0"/>
+              </a:spcBef>
+              <a:buClrTx/>
+              <a:buAutoNum type="alphaUcParenBoth"/>
+            </a:pPr>
+            <a:r>
+              <a:rPr lang="en-US" dirty="0">
+                <a:solidFill>
+                  <a:schemeClr val="bg1"/>
+                </a:solidFill>
+              </a:rPr>
+              <a:t> also normalizing the embedding vectors to have unit L2 </a:t>
+            </a:r>
+            <a:r>
+              <a:rPr lang="en-US" dirty="0" smtClean="0">
+                <a:solidFill>
+                  <a:schemeClr val="bg1"/>
+                </a:solidFill>
+              </a:rPr>
+              <a:t>length (</a:t>
+            </a:r>
+            <a:r>
+              <a:rPr lang="en-US" dirty="0">
+                <a:solidFill>
+                  <a:schemeClr val="bg1"/>
+                </a:solidFill>
+              </a:rPr>
+              <a:t>since Euclidean distance on normalized vectors is cosine </a:t>
+            </a:r>
+            <a:r>
+              <a:rPr lang="en-US" dirty="0" smtClean="0">
+                <a:solidFill>
+                  <a:schemeClr val="bg1"/>
+                </a:solidFill>
+              </a:rPr>
+              <a:t>distance)</a:t>
+            </a:r>
+          </a:p>
+          <a:p>
+            <a:pPr marL="0" lvl="0" indent="0">
+              <a:spcBef>
+                <a:spcPts val="0"/>
+              </a:spcBef>
+              <a:buClrTx/>
+              <a:buNone/>
+            </a:pPr>
+            <a:endParaRPr lang="en-US" dirty="0" smtClean="0">
+              <a:solidFill>
+                <a:schemeClr val="bg1"/>
+              </a:solidFill>
+            </a:endParaRPr>
+          </a:p>
+          <a:p>
+            <a:pPr>
+              <a:spcBef>
+                <a:spcPts val="0"/>
+              </a:spcBef>
+              <a:buClrTx/>
+            </a:pPr>
+            <a:r>
+              <a:rPr lang="en-US" dirty="0" smtClean="0">
+                <a:solidFill>
+                  <a:schemeClr val="bg1"/>
+                </a:solidFill>
+              </a:rPr>
+              <a:t>Loss </a:t>
+            </a:r>
+            <a:r>
+              <a:rPr lang="en-US" dirty="0">
+                <a:solidFill>
+                  <a:schemeClr val="bg1"/>
+                </a:solidFill>
+              </a:rPr>
+              <a:t>for classification: </a:t>
+            </a:r>
+            <a:r>
+              <a:rPr lang="en-US" dirty="0" err="1">
+                <a:solidFill>
+                  <a:schemeClr val="bg1"/>
+                </a:solidFill>
+              </a:rPr>
+              <a:t>softmax</a:t>
+            </a:r>
+            <a:r>
+              <a:rPr lang="en-US" dirty="0">
+                <a:solidFill>
+                  <a:schemeClr val="bg1"/>
+                </a:solidFill>
+              </a:rPr>
+              <a:t> loss (</a:t>
+            </a:r>
+            <a:r>
+              <a:rPr lang="en-US" dirty="0" err="1">
+                <a:solidFill>
+                  <a:schemeClr val="bg1"/>
+                </a:solidFill>
+              </a:rPr>
+              <a:t>softmax</a:t>
+            </a:r>
+            <a:r>
+              <a:rPr lang="en-US" dirty="0">
+                <a:solidFill>
+                  <a:schemeClr val="bg1"/>
+                </a:solidFill>
+              </a:rPr>
+              <a:t> followed by </a:t>
+            </a:r>
+            <a:r>
+              <a:rPr lang="en-US" dirty="0" err="1" smtClean="0">
+                <a:solidFill>
+                  <a:schemeClr val="bg1"/>
+                </a:solidFill>
+              </a:rPr>
+              <a:t>crossentropy</a:t>
+            </a:r>
+            <a:r>
+              <a:rPr lang="en-US" dirty="0" smtClean="0">
+                <a:solidFill>
+                  <a:schemeClr val="bg1"/>
+                </a:solidFill>
+              </a:rPr>
+              <a:t>)</a:t>
+            </a:r>
+          </a:p>
+          <a:p>
+            <a:pPr>
+              <a:spcBef>
+                <a:spcPts val="0"/>
+              </a:spcBef>
+              <a:buClrTx/>
+            </a:pPr>
+            <a:endParaRPr lang="en-US" dirty="0" smtClean="0">
+              <a:solidFill>
+                <a:schemeClr val="bg1"/>
+              </a:solidFill>
+            </a:endParaRPr>
+          </a:p>
+          <a:p>
+            <a:pPr>
+              <a:spcBef>
+                <a:spcPts val="0"/>
+              </a:spcBef>
+              <a:buClrTx/>
+            </a:pPr>
+            <a:r>
+              <a:rPr lang="en-US" dirty="0">
+                <a:solidFill>
+                  <a:schemeClr val="bg1"/>
+                </a:solidFill>
+              </a:rPr>
+              <a:t>L</a:t>
+            </a:r>
+            <a:r>
+              <a:rPr lang="en-US" dirty="0" smtClean="0">
+                <a:solidFill>
+                  <a:schemeClr val="bg1"/>
+                </a:solidFill>
+              </a:rPr>
+              <a:t>oss </a:t>
+            </a:r>
+            <a:r>
+              <a:rPr lang="en-US" dirty="0">
+                <a:solidFill>
+                  <a:schemeClr val="bg1"/>
+                </a:solidFill>
+              </a:rPr>
+              <a:t>for embedding: contrastive loss</a:t>
+            </a:r>
+          </a:p>
+          <a:p>
+            <a:pPr marL="342900" lvl="0" indent="-342900">
+              <a:spcBef>
+                <a:spcPts val="0"/>
+              </a:spcBef>
+              <a:buClrTx/>
+              <a:buAutoNum type="alphaUcParenBoth"/>
+            </a:pPr>
+            <a:endParaRPr lang="en-US" dirty="0" smtClean="0">
+              <a:solidFill>
+                <a:schemeClr val="bg1"/>
+              </a:solidFill>
+            </a:endParaRPr>
+          </a:p>
+          <a:p>
+            <a:pPr marL="342900" lvl="0" indent="-342900">
+              <a:spcBef>
+                <a:spcPts val="0"/>
+              </a:spcBef>
+              <a:buClrTx/>
+              <a:buAutoNum type="alphaUcParenBoth"/>
+            </a:pPr>
+            <a:endParaRPr lang="en-US" dirty="0">
+              <a:solidFill>
+                <a:schemeClr val="bg1"/>
+              </a:solidFill>
+            </a:endParaRPr>
+          </a:p>
+        </p:txBody>
+      </p:sp>
+    </p:spTree>
+    <p:extLst>
+      <p:ext uri="{BB962C8B-B14F-4D97-AF65-F5344CB8AC3E}">
+        <p14:creationId xmlns:p14="http://schemas.microsoft.com/office/powerpoint/2010/main" val="1965325959"/>
+      </p:ext>
+    </p:extLst>
+  </p:cSld>
+  <p:clrMapOvr>
+    <a:masterClrMapping/>
+  </p:clrMapOvr>
+  <p:timing>
+    <p:tnLst>
+      <p:par>
+        <p:cTn id="1" dur="indefinite" restart="never" nodeType="tmRoot"/>
+      </p:par>
+    </p:tnLst>
+  </p:timing>
+</p:sld>
+</file>
+
+<file path=ppt/slides/slide7.xml><?xml version="1.0" encoding="utf-8"?>
+<p:sld xmlns:a="http://schemas.openxmlformats.org/drawingml/2006/main" xmlns:r="http://schemas.openxmlformats.org/officeDocument/2006/relationships" xmlns:p="http://schemas.openxmlformats.org/presentationml/2006/main">
+  <p:cSld>
+    <p:bg>
+      <p:bgPr>
+        <a:solidFill>
+          <a:schemeClr val="bg1">
+            <a:lumMod val="95000"/>
+          </a:schemeClr>
+        </a:solidFill>
+        <a:effectLst/>
+      </p:bgPr>
+    </p:bg>
+    <p:spTree>
+      <p:nvGrpSpPr>
+        <p:cNvPr id="1" name=""/>
+        <p:cNvGrpSpPr/>
+        <p:nvPr/>
+      </p:nvGrpSpPr>
+      <p:grpSpPr>
+        <a:xfrm>
+          <a:off x="0" y="0"/>
+          <a:ext cx="0" cy="0"/>
+          <a:chOff x="0" y="0"/>
+          <a:chExt cx="0" cy="0"/>
+        </a:xfrm>
+      </p:grpSpPr>
+      <p:sp useBgFill="1">
+        <p:nvSpPr>
+          <p:cNvPr id="25" name="Rectangle 24">
+            <a:extLst>
+              <a:ext uri="{FF2B5EF4-FFF2-40B4-BE49-F238E27FC236}">
+                <a16:creationId xmlns:a16="http://schemas.microsoft.com/office/drawing/2014/main" xmlns="" id="{1660E788-AFA9-4A1B-9991-6AA74632A15B}"/>
+              </a:ext>
+            </a:extLst>
+          </p:cNvPr>
+          <p:cNvSpPr>
+            <a:spLocks noGrp="1" noRot="1" noChangeAspect="1" noMove="1" noResize="1" noEditPoints="1" noAdjustHandles="1" noChangeArrowheads="1" noChangeShapeType="1" noTextEdit="1"/>
+          </p:cNvSpPr>
+          <p:nvPr>
+            <p:extLst>
+              <p:ext uri="{386F3935-93C4-4BCD-93E2-E3B085C9AB24}">
+                <p16:designElem xmlns:p16="http://schemas.microsoft.com/office/powerpoint/2015/main" val="1"/>
+              </p:ext>
+            </p:extLst>
+          </p:nvPr>
+        </p:nvSpPr>
+        <p:spPr>
+          <a:xfrm>
+            <a:off x="0" y="0"/>
+            <a:ext cx="12191999" cy="6858000"/>
+          </a:xfrm>
+          <a:prstGeom prst="rect">
+            <a:avLst/>
+          </a:prstGeom>
+          <a:ln>
+            <a:noFill/>
+          </a:ln>
+        </p:spPr>
+        <p:style>
+          <a:lnRef idx="2">
+            <a:schemeClr val="accent1">
+              <a:shade val="50000"/>
+            </a:schemeClr>
+          </a:lnRef>
+          <a:fillRef idx="1">
+            <a:schemeClr val="accent1"/>
+          </a:fillRef>
+          <a:effectRef idx="0">
+            <a:schemeClr val="accent1"/>
+          </a:effectRef>
+          <a:fontRef idx="minor">
+            <a:schemeClr val="lt1"/>
+          </a:fontRef>
+        </p:style>
+        <p:txBody>
+          <a:bodyPr rtlCol="0" anchor="ctr"/>
+          <a:lstStyle/>
+          <a:p>
+            <a:pPr algn="ctr"/>
+            <a:endParaRPr lang="en-US"/>
+          </a:p>
+        </p:txBody>
+      </p:sp>
+      <p:sp>
+        <p:nvSpPr>
+          <p:cNvPr id="27" name="Rectangle 26">
+            <a:extLst>
+              <a:ext uri="{FF2B5EF4-FFF2-40B4-BE49-F238E27FC236}">
+                <a16:creationId xmlns:a16="http://schemas.microsoft.com/office/drawing/2014/main" xmlns="" id="{867D4867-5BA7-4462-B2F6-A23F4A622AA7}"/>
+              </a:ext>
+            </a:extLst>
+          </p:cNvPr>
+          <p:cNvSpPr>
+            <a:spLocks noGrp="1" noRot="1" noChangeAspect="1" noMove="1" noResize="1" noEditPoints="1" noAdjustHandles="1" noChangeArrowheads="1" noChangeShapeType="1" noTextEdit="1"/>
+          </p:cNvSpPr>
+          <p:nvPr>
+            <p:extLst>
+              <p:ext uri="{386F3935-93C4-4BCD-93E2-E3B085C9AB24}">
+                <p16:designElem xmlns:p16="http://schemas.microsoft.com/office/powerpoint/2015/main" val="1"/>
+              </p:ext>
+            </p:extLst>
+          </p:nvPr>
+        </p:nvSpPr>
+        <p:spPr>
+          <a:xfrm>
+            <a:off x="0" y="0"/>
+            <a:ext cx="4654296" cy="6858000"/>
+          </a:xfrm>
+          <a:prstGeom prst="rect">
+            <a:avLst/>
+          </a:prstGeom>
+          <a:solidFill>
+            <a:schemeClr val="tx2"/>
+          </a:solidFill>
+          <a:ln>
+            <a:noFill/>
+          </a:ln>
+        </p:spPr>
+        <p:style>
+          <a:lnRef idx="0">
+            <a:scrgbClr r="0" g="0" b="0"/>
+          </a:lnRef>
+          <a:fillRef idx="0">
+            <a:scrgbClr r="0" g="0" b="0"/>
+          </a:fillRef>
+          <a:effectRef idx="0">
+            <a:scrgbClr r="0" g="0" b="0"/>
+          </a:effectRef>
+          <a:fontRef idx="minor">
+            <a:schemeClr val="lt1"/>
+          </a:fontRef>
+        </p:style>
+        <p:txBody>
+          <a:bodyPr rtlCol="0" anchor="ctr"/>
+          <a:lstStyle/>
+          <a:p>
+            <a:pPr algn="ctr"/>
+            <a:endParaRPr lang="en-US"/>
+          </a:p>
+        </p:txBody>
+      </p:sp>
+      <p:pic>
+        <p:nvPicPr>
+          <p:cNvPr id="4" name="Picture 3"/>
+          <p:cNvPicPr>
+            <a:picLocks noChangeAspect="1"/>
+          </p:cNvPicPr>
+          <p:nvPr/>
+        </p:nvPicPr>
+        <p:blipFill>
+          <a:blip r:embed="rId2">
+            <a:extLst>
+              <a:ext uri="{28A0092B-C50C-407E-A947-70E740481C1C}">
+                <a14:useLocalDpi xmlns:a14="http://schemas.microsoft.com/office/drawing/2010/main" val="0"/>
+              </a:ext>
+            </a:extLst>
+          </a:blip>
+          <a:stretch>
+            <a:fillRect/>
+          </a:stretch>
+        </p:blipFill>
+        <p:spPr>
+          <a:xfrm>
+            <a:off x="5132461" y="1954060"/>
+            <a:ext cx="6581373" cy="2721183"/>
+          </a:xfrm>
+          <a:prstGeom prst="rect">
+            <a:avLst/>
+          </a:prstGeom>
+        </p:spPr>
+      </p:pic>
+      <p:sp>
+        <p:nvSpPr>
+          <p:cNvPr id="2" name="Title 1"/>
+          <p:cNvSpPr>
+            <a:spLocks noGrp="1"/>
+          </p:cNvSpPr>
+          <p:nvPr>
+            <p:ph type="title"/>
+          </p:nvPr>
+        </p:nvSpPr>
+        <p:spPr>
+          <a:xfrm>
+            <a:off x="643468" y="394299"/>
+            <a:ext cx="3363974" cy="1190243"/>
+          </a:xfrm>
+          <a:noFill/>
+          <a:ln>
+            <a:solidFill>
+              <a:schemeClr val="bg1"/>
+            </a:solidFill>
+          </a:ln>
+        </p:spPr>
+        <p:txBody>
+          <a:bodyPr wrap="square">
+            <a:normAutofit/>
+          </a:bodyPr>
+          <a:lstStyle/>
+          <a:p>
+            <a:r>
+              <a:rPr lang="en-US" dirty="0">
+                <a:solidFill>
+                  <a:schemeClr val="bg1"/>
+                </a:solidFill>
+              </a:rPr>
+              <a:t>Training Data collection</a:t>
+            </a:r>
+          </a:p>
+        </p:txBody>
+      </p:sp>
+      <p:sp>
+        <p:nvSpPr>
+          <p:cNvPr id="3" name="Content Placeholder 2"/>
+          <p:cNvSpPr>
+            <a:spLocks noGrp="1"/>
+          </p:cNvSpPr>
+          <p:nvPr>
+            <p:ph idx="1"/>
+          </p:nvPr>
+        </p:nvSpPr>
+        <p:spPr>
+          <a:xfrm>
+            <a:off x="643468" y="1954060"/>
+            <a:ext cx="3363974" cy="4534422"/>
+          </a:xfrm>
+        </p:spPr>
+        <p:txBody>
+          <a:bodyPr>
+            <a:noAutofit/>
+          </a:bodyPr>
+          <a:lstStyle/>
+          <a:p>
+            <a:pPr>
+              <a:lnSpc>
+                <a:spcPct val="90000"/>
+              </a:lnSpc>
+            </a:pPr>
+            <a:r>
+              <a:rPr lang="en-US" dirty="0">
+                <a:solidFill>
+                  <a:schemeClr val="bg1"/>
+                </a:solidFill>
+              </a:rPr>
+              <a:t>Collected 7,249,913 product photos and 6,515,869 room photos from </a:t>
+            </a:r>
+            <a:r>
+              <a:rPr lang="en-US" dirty="0" err="1">
+                <a:solidFill>
+                  <a:schemeClr val="bg1"/>
+                </a:solidFill>
+              </a:rPr>
+              <a:t>Houzz.com</a:t>
+            </a:r>
+            <a:endParaRPr lang="en-US" dirty="0">
+              <a:solidFill>
+                <a:schemeClr val="bg1"/>
+              </a:solidFill>
+            </a:endParaRPr>
+          </a:p>
+          <a:p>
+            <a:pPr>
+              <a:lnSpc>
+                <a:spcPct val="90000"/>
+              </a:lnSpc>
+            </a:pPr>
+            <a:r>
+              <a:rPr lang="en-US" dirty="0">
+                <a:solidFill>
+                  <a:schemeClr val="bg1"/>
+                </a:solidFill>
+              </a:rPr>
+              <a:t>Removed near- and exact-duplicate images using </a:t>
+            </a:r>
+            <a:r>
+              <a:rPr lang="en-US" dirty="0" err="1">
+                <a:solidFill>
+                  <a:schemeClr val="bg1"/>
+                </a:solidFill>
+              </a:rPr>
+              <a:t>AlexNet</a:t>
+            </a:r>
+            <a:r>
+              <a:rPr lang="en-US" dirty="0">
+                <a:solidFill>
+                  <a:schemeClr val="bg1"/>
+                </a:solidFill>
+              </a:rPr>
+              <a:t> (fc7 layer output)</a:t>
+            </a:r>
+          </a:p>
+          <a:p>
+            <a:pPr>
+              <a:lnSpc>
+                <a:spcPct val="90000"/>
+              </a:lnSpc>
+            </a:pPr>
+            <a:r>
+              <a:rPr lang="en-US" dirty="0">
+                <a:solidFill>
+                  <a:schemeClr val="bg1"/>
+                </a:solidFill>
+              </a:rPr>
+              <a:t>Retained 3,387,555 product and 6,093,452 room photos</a:t>
+            </a:r>
+          </a:p>
+          <a:p>
+            <a:pPr>
+              <a:lnSpc>
+                <a:spcPct val="90000"/>
+              </a:lnSpc>
+            </a:pPr>
+            <a:endParaRPr lang="en-US" dirty="0">
+              <a:solidFill>
+                <a:schemeClr val="bg1"/>
+              </a:solidFill>
+            </a:endParaRPr>
+          </a:p>
+          <a:p>
+            <a:pPr marL="0" indent="0">
+              <a:lnSpc>
+                <a:spcPct val="90000"/>
+              </a:lnSpc>
+              <a:buNone/>
+            </a:pPr>
+            <a:r>
+              <a:rPr lang="en-US" dirty="0">
+                <a:solidFill>
+                  <a:schemeClr val="bg1"/>
+                </a:solidFill>
+              </a:rPr>
+              <a:t>PROBLEM!!!!</a:t>
+            </a:r>
+          </a:p>
+          <a:p>
+            <a:pPr>
+              <a:lnSpc>
+                <a:spcPct val="90000"/>
+              </a:lnSpc>
+            </a:pPr>
+            <a:r>
+              <a:rPr lang="en-US" dirty="0">
+                <a:solidFill>
+                  <a:schemeClr val="bg1"/>
+                </a:solidFill>
+              </a:rPr>
+              <a:t>Only 178,712 product photos have “product tags”</a:t>
+            </a:r>
+          </a:p>
+          <a:p>
+            <a:pPr>
+              <a:lnSpc>
+                <a:spcPct val="90000"/>
+              </a:lnSpc>
+            </a:pPr>
+            <a:r>
+              <a:rPr lang="en-US" dirty="0">
+                <a:solidFill>
+                  <a:schemeClr val="bg1"/>
+                </a:solidFill>
+              </a:rPr>
+              <a:t>Also need to know the spatial extent of the product in the room</a:t>
+            </a:r>
+          </a:p>
+          <a:p>
+            <a:pPr>
+              <a:lnSpc>
+                <a:spcPct val="90000"/>
+              </a:lnSpc>
+            </a:pPr>
+            <a:endParaRPr lang="en-US" dirty="0">
+              <a:solidFill>
+                <a:schemeClr val="bg1"/>
+              </a:solidFill>
+            </a:endParaRPr>
+          </a:p>
+          <a:p>
+            <a:pPr>
+              <a:lnSpc>
+                <a:spcPct val="90000"/>
+              </a:lnSpc>
+            </a:pPr>
+            <a:endParaRPr lang="en-US" dirty="0">
+              <a:solidFill>
+                <a:schemeClr val="bg1"/>
+              </a:solidFill>
+            </a:endParaRPr>
+          </a:p>
+        </p:txBody>
+      </p:sp>
+    </p:spTree>
+    <p:extLst>
+      <p:ext uri="{BB962C8B-B14F-4D97-AF65-F5344CB8AC3E}">
+        <p14:creationId xmlns:p14="http://schemas.microsoft.com/office/powerpoint/2010/main" val="1205952337"/>
+      </p:ext>
+    </p:extLst>
+  </p:cSld>
+  <p:clrMapOvr>
+    <a:masterClrMapping/>
+  </p:clrMapOvr>
+  <p:timing>
+    <p:tnLst>
+      <p:par>
+        <p:cTn id="1" dur="indefinite" restart="never" nodeType="tmRoot"/>
+      </p:par>
+    </p:tnLst>
+  </p:timing>
+</p:sld>
+</file>
+
+<file path=ppt/slides/slide8.xml><?xml version="1.0" encoding="utf-8"?>
 <p:sld xmlns:a="http://schemas.openxmlformats.org/drawingml/2006/main" xmlns:r="http://schemas.openxmlformats.org/officeDocument/2006/relationships" xmlns:p="http://schemas.openxmlformats.org/presentationml/2006/main">
   <p:cSld>
     <p:spTree>
@@ -4084,10 +5192,17 @@
   <p:clrMapOvr>
     <a:masterClrMapping/>
   </p:clrMapOvr>
+  <p:timing>
+    <p:tnLst>
+      <p:par>
+        <p:cTn id="1" dur="indefinite" restart="never" nodeType="tmRoot"/>
+      </p:par>
+    </p:tnLst>
+  </p:timing>
 </p:sld>
 </file>
 
-<file path=ppt/slides/slide7.xml><?xml version="1.0" encoding="utf-8"?>
+<file path=ppt/slides/slide9.xml><?xml version="1.0" encoding="utf-8"?>
 <p:sld xmlns:a="http://schemas.openxmlformats.org/drawingml/2006/main" xmlns:r="http://schemas.openxmlformats.org/officeDocument/2006/relationships" xmlns:p="http://schemas.openxmlformats.org/presentationml/2006/main">
   <p:cSld>
     <p:spTree>

--- a/presentation/presentation.pptx
+++ b/presentation/presentation.pptx
@@ -10,10 +10,11 @@
     <p:sldId id="258" r:id="rId4"/>
     <p:sldId id="263" r:id="rId5"/>
     <p:sldId id="264" r:id="rId6"/>
-    <p:sldId id="259" r:id="rId7"/>
-    <p:sldId id="260" r:id="rId8"/>
-    <p:sldId id="261" r:id="rId9"/>
-    <p:sldId id="262" r:id="rId10"/>
+    <p:sldId id="260" r:id="rId7"/>
+    <p:sldId id="261" r:id="rId8"/>
+    <p:sldId id="259" r:id="rId9"/>
+    <p:sldId id="266" r:id="rId10"/>
+    <p:sldId id="267" r:id="rId11"/>
   </p:sldIdLst>
   <p:sldSz cx="12192000" cy="6858000"/>
   <p:notesSz cx="6858000" cy="9144000"/>
@@ -3577,6 +3578,249 @@
 </p:sld>
 </file>
 
+<file path=ppt/slides/slide10.xml><?xml version="1.0" encoding="utf-8"?>
+<p:sld xmlns:a="http://schemas.openxmlformats.org/drawingml/2006/main" xmlns:r="http://schemas.openxmlformats.org/officeDocument/2006/relationships" xmlns:p="http://schemas.openxmlformats.org/presentationml/2006/main">
+  <p:cSld>
+    <p:bg>
+      <p:bgPr>
+        <a:solidFill>
+          <a:schemeClr val="bg1">
+            <a:lumMod val="95000"/>
+          </a:schemeClr>
+        </a:solidFill>
+        <a:effectLst/>
+      </p:bgPr>
+    </p:bg>
+    <p:spTree>
+      <p:nvGrpSpPr>
+        <p:cNvPr id="1" name=""/>
+        <p:cNvGrpSpPr/>
+        <p:nvPr/>
+      </p:nvGrpSpPr>
+      <p:grpSpPr>
+        <a:xfrm>
+          <a:off x="0" y="0"/>
+          <a:ext cx="0" cy="0"/>
+          <a:chOff x="0" y="0"/>
+          <a:chExt cx="0" cy="0"/>
+        </a:xfrm>
+      </p:grpSpPr>
+      <p:sp>
+        <p:nvSpPr>
+          <p:cNvPr id="9" name="Rectangle 8">
+            <a:extLst>
+              <a:ext uri="{FF2B5EF4-FFF2-40B4-BE49-F238E27FC236}">
+                <a16:creationId xmlns:a16="http://schemas.microsoft.com/office/drawing/2014/main" xmlns="" id="{5FA21C72-692C-49FD-9EB4-DDDDDEBD4BD6}"/>
+              </a:ext>
+            </a:extLst>
+          </p:cNvPr>
+          <p:cNvSpPr>
+            <a:spLocks noGrp="1" noRot="1" noChangeAspect="1" noMove="1" noResize="1" noEditPoints="1" noAdjustHandles="1" noChangeArrowheads="1" noChangeShapeType="1" noTextEdit="1"/>
+          </p:cNvSpPr>
+          <p:nvPr>
+            <p:extLst>
+              <p:ext uri="{386F3935-93C4-4BCD-93E2-E3B085C9AB24}">
+                <p16:designElem xmlns:p16="http://schemas.microsoft.com/office/powerpoint/2015/main" val="1"/>
+              </p:ext>
+            </p:extLst>
+          </p:nvPr>
+        </p:nvSpPr>
+        <p:spPr>
+          <a:xfrm>
+            <a:off x="1575405" y="950977"/>
+            <a:ext cx="9041190" cy="4956047"/>
+          </a:xfrm>
+          <a:prstGeom prst="rect">
+            <a:avLst/>
+          </a:prstGeom>
+          <a:solidFill>
+            <a:srgbClr val="FFFFFF"/>
+          </a:solidFill>
+          <a:ln w="31750">
+            <a:solidFill>
+              <a:srgbClr val="404040"/>
+            </a:solidFill>
+          </a:ln>
+        </p:spPr>
+        <p:style>
+          <a:lnRef idx="2">
+            <a:schemeClr val="accent1">
+              <a:shade val="50000"/>
+            </a:schemeClr>
+          </a:lnRef>
+          <a:fillRef idx="1">
+            <a:schemeClr val="accent1"/>
+          </a:fillRef>
+          <a:effectRef idx="0">
+            <a:schemeClr val="accent1"/>
+          </a:effectRef>
+          <a:fontRef idx="minor">
+            <a:schemeClr val="lt1"/>
+          </a:fontRef>
+        </p:style>
+        <p:txBody>
+          <a:bodyPr rtlCol="0" anchor="ctr"/>
+          <a:lstStyle/>
+          <a:p>
+            <a:pPr algn="ctr"/>
+            <a:endParaRPr lang="en-US"/>
+          </a:p>
+        </p:txBody>
+      </p:sp>
+      <p:pic>
+        <p:nvPicPr>
+          <p:cNvPr id="4" name="Content Placeholder 3"/>
+          <p:cNvPicPr>
+            <a:picLocks noGrp="1" noChangeAspect="1"/>
+          </p:cNvPicPr>
+          <p:nvPr>
+            <p:ph idx="1"/>
+          </p:nvPr>
+        </p:nvPicPr>
+        <p:blipFill>
+          <a:blip r:embed="rId2">
+            <a:extLst>
+              <a:ext uri="{28A0092B-C50C-407E-A947-70E740481C1C}">
+                <a14:useLocalDpi xmlns:a14="http://schemas.microsoft.com/office/drawing/2010/main" val="0"/>
+              </a:ext>
+            </a:extLst>
+          </a:blip>
+          <a:stretch>
+            <a:fillRect/>
+          </a:stretch>
+        </p:blipFill>
+        <p:spPr>
+          <a:xfrm>
+            <a:off x="2366210" y="1351201"/>
+            <a:ext cx="7915425" cy="4155598"/>
+          </a:xfrm>
+          <a:prstGeom prst="rect">
+            <a:avLst/>
+          </a:prstGeom>
+        </p:spPr>
+      </p:pic>
+      <p:sp>
+        <p:nvSpPr>
+          <p:cNvPr id="11" name="Oval 10">
+            <a:extLst>
+              <a:ext uri="{FF2B5EF4-FFF2-40B4-BE49-F238E27FC236}">
+                <a16:creationId xmlns:a16="http://schemas.microsoft.com/office/drawing/2014/main" xmlns="" id="{FBAF941A-6830-47A3-B63C-7C7B66AEA73B}"/>
+              </a:ext>
+            </a:extLst>
+          </p:cNvPr>
+          <p:cNvSpPr>
+            <a:spLocks noGrp="1" noRot="1" noChangeAspect="1" noMove="1" noResize="1" noEditPoints="1" noAdjustHandles="1" noChangeArrowheads="1" noChangeShapeType="1" noTextEdit="1"/>
+          </p:cNvSpPr>
+          <p:nvPr>
+            <p:extLst>
+              <p:ext uri="{386F3935-93C4-4BCD-93E2-E3B085C9AB24}">
+                <p16:designElem xmlns:p16="http://schemas.microsoft.com/office/powerpoint/2015/main" val="1"/>
+              </p:ext>
+            </p:extLst>
+          </p:nvPr>
+        </p:nvSpPr>
+        <p:spPr>
+          <a:xfrm>
+            <a:off x="632380" y="624518"/>
+            <a:ext cx="2157984" cy="2157984"/>
+          </a:xfrm>
+          <a:prstGeom prst="ellipse">
+            <a:avLst/>
+          </a:prstGeom>
+          <a:solidFill>
+            <a:srgbClr val="404040"/>
+          </a:solidFill>
+          <a:ln w="31750">
+            <a:noFill/>
+          </a:ln>
+        </p:spPr>
+        <p:style>
+          <a:lnRef idx="2">
+            <a:schemeClr val="accent1">
+              <a:shade val="50000"/>
+            </a:schemeClr>
+          </a:lnRef>
+          <a:fillRef idx="1">
+            <a:schemeClr val="accent1"/>
+          </a:fillRef>
+          <a:effectRef idx="0">
+            <a:schemeClr val="accent1"/>
+          </a:effectRef>
+          <a:fontRef idx="minor">
+            <a:schemeClr val="lt1"/>
+          </a:fontRef>
+        </p:style>
+        <p:txBody>
+          <a:bodyPr rtlCol="0" anchor="ctr"/>
+          <a:lstStyle/>
+          <a:p>
+            <a:pPr algn="ctr"/>
+            <a:endParaRPr lang="en-US"/>
+          </a:p>
+        </p:txBody>
+      </p:sp>
+      <p:sp>
+        <p:nvSpPr>
+          <p:cNvPr id="2" name="Title 1"/>
+          <p:cNvSpPr>
+            <a:spLocks noGrp="1"/>
+          </p:cNvSpPr>
+          <p:nvPr>
+            <p:ph type="title"/>
+          </p:nvPr>
+        </p:nvSpPr>
+        <p:spPr>
+          <a:xfrm>
+            <a:off x="796972" y="789110"/>
+            <a:ext cx="1828800" cy="1828800"/>
+          </a:xfrm>
+          <a:prstGeom prst="ellipse">
+            <a:avLst/>
+          </a:prstGeom>
+          <a:noFill/>
+          <a:ln>
+            <a:solidFill>
+              <a:srgbClr val="FFFFFF"/>
+            </a:solidFill>
+          </a:ln>
+        </p:spPr>
+        <p:txBody>
+          <a:bodyPr vert="horz" lIns="182880" tIns="182880" rIns="182880" bIns="182880" rtlCol="0" anchor="ctr">
+            <a:normAutofit/>
+          </a:bodyPr>
+          <a:lstStyle/>
+          <a:p>
+            <a:r>
+              <a:rPr lang="en-US" sz="1400">
+                <a:solidFill>
+                  <a:srgbClr val="FFFFFF"/>
+                </a:solidFill>
+              </a:rPr>
+              <a:t>results</a:t>
+            </a:r>
+          </a:p>
+        </p:txBody>
+      </p:sp>
+    </p:spTree>
+    <p:extLst>
+      <p:ext uri="{BB962C8B-B14F-4D97-AF65-F5344CB8AC3E}">
+        <p14:creationId xmlns:p14="http://schemas.microsoft.com/office/powerpoint/2010/main" val="3603286017"/>
+      </p:ext>
+    </p:extLst>
+  </p:cSld>
+  <p:clrMapOvr>
+    <a:masterClrMapping/>
+  </p:clrMapOvr>
+  <p:timing>
+    <p:tnLst>
+      <p:par>
+        <p:cTn id="1" dur="indefinite" restart="never" nodeType="tmRoot"/>
+      </p:par>
+    </p:tnLst>
+  </p:timing>
+</p:sld>
+</file>
+
 <file path=ppt/slides/slide2.xml><?xml version="1.0" encoding="utf-8"?>
 <p:sld xmlns:a="http://schemas.openxmlformats.org/drawingml/2006/main" xmlns:r="http://schemas.openxmlformats.org/officeDocument/2006/relationships" xmlns:p="http://schemas.openxmlformats.org/presentationml/2006/main">
   <p:cSld>
@@ -4107,641 +4351,6 @@
       </p:grpSpPr>
       <p:sp useBgFill="1">
         <p:nvSpPr>
-          <p:cNvPr id="12" name="Rectangle 11">
-            <a:extLst>
-              <a:ext uri="{FF2B5EF4-FFF2-40B4-BE49-F238E27FC236}">
-                <a16:creationId xmlns:a16="http://schemas.microsoft.com/office/drawing/2014/main" xmlns="" id="{1660E788-AFA9-4A1B-9991-6AA74632A15B}"/>
-              </a:ext>
-            </a:extLst>
-          </p:cNvPr>
-          <p:cNvSpPr>
-            <a:spLocks noGrp="1" noRot="1" noChangeAspect="1" noMove="1" noResize="1" noEditPoints="1" noAdjustHandles="1" noChangeArrowheads="1" noChangeShapeType="1" noTextEdit="1"/>
-          </p:cNvSpPr>
-          <p:nvPr>
-            <p:extLst>
-              <p:ext uri="{386F3935-93C4-4BCD-93E2-E3B085C9AB24}">
-                <p16:designElem xmlns:p16="http://schemas.microsoft.com/office/powerpoint/2015/main" val="1"/>
-              </p:ext>
-            </p:extLst>
-          </p:nvPr>
-        </p:nvSpPr>
-        <p:spPr>
-          <a:xfrm>
-            <a:off x="0" y="0"/>
-            <a:ext cx="12191999" cy="6858000"/>
-          </a:xfrm>
-          <a:prstGeom prst="rect">
-            <a:avLst/>
-          </a:prstGeom>
-          <a:ln>
-            <a:noFill/>
-          </a:ln>
-        </p:spPr>
-        <p:style>
-          <a:lnRef idx="2">
-            <a:schemeClr val="accent1">
-              <a:shade val="50000"/>
-            </a:schemeClr>
-          </a:lnRef>
-          <a:fillRef idx="1">
-            <a:schemeClr val="accent1"/>
-          </a:fillRef>
-          <a:effectRef idx="0">
-            <a:schemeClr val="accent1"/>
-          </a:effectRef>
-          <a:fontRef idx="minor">
-            <a:schemeClr val="lt1"/>
-          </a:fontRef>
-        </p:style>
-        <p:txBody>
-          <a:bodyPr rtlCol="0" anchor="ctr"/>
-          <a:lstStyle/>
-          <a:p>
-            <a:pPr algn="ctr"/>
-            <a:endParaRPr lang="en-US"/>
-          </a:p>
-        </p:txBody>
-      </p:sp>
-      <p:sp>
-        <p:nvSpPr>
-          <p:cNvPr id="14" name="Rectangle 13">
-            <a:extLst>
-              <a:ext uri="{FF2B5EF4-FFF2-40B4-BE49-F238E27FC236}">
-                <a16:creationId xmlns:a16="http://schemas.microsoft.com/office/drawing/2014/main" xmlns="" id="{867D4867-5BA7-4462-B2F6-A23F4A622AA7}"/>
-              </a:ext>
-            </a:extLst>
-          </p:cNvPr>
-          <p:cNvSpPr>
-            <a:spLocks noGrp="1" noRot="1" noChangeAspect="1" noMove="1" noResize="1" noEditPoints="1" noAdjustHandles="1" noChangeArrowheads="1" noChangeShapeType="1" noTextEdit="1"/>
-          </p:cNvSpPr>
-          <p:nvPr>
-            <p:extLst>
-              <p:ext uri="{386F3935-93C4-4BCD-93E2-E3B085C9AB24}">
-                <p16:designElem xmlns:p16="http://schemas.microsoft.com/office/powerpoint/2015/main" val="1"/>
-              </p:ext>
-            </p:extLst>
-          </p:nvPr>
-        </p:nvSpPr>
-        <p:spPr>
-          <a:xfrm>
-            <a:off x="0" y="0"/>
-            <a:ext cx="4654296" cy="6858000"/>
-          </a:xfrm>
-          <a:prstGeom prst="rect">
-            <a:avLst/>
-          </a:prstGeom>
-          <a:solidFill>
-            <a:schemeClr val="tx2"/>
-          </a:solidFill>
-          <a:ln>
-            <a:noFill/>
-          </a:ln>
-        </p:spPr>
-        <p:style>
-          <a:lnRef idx="0">
-            <a:scrgbClr r="0" g="0" b="0"/>
-          </a:lnRef>
-          <a:fillRef idx="0">
-            <a:scrgbClr r="0" g="0" b="0"/>
-          </a:fillRef>
-          <a:effectRef idx="0">
-            <a:scrgbClr r="0" g="0" b="0"/>
-          </a:effectRef>
-          <a:fontRef idx="minor">
-            <a:schemeClr val="lt1"/>
-          </a:fontRef>
-        </p:style>
-        <p:txBody>
-          <a:bodyPr rtlCol="0" anchor="ctr"/>
-          <a:lstStyle/>
-          <a:p>
-            <a:pPr algn="ctr"/>
-            <a:endParaRPr lang="en-US"/>
-          </a:p>
-        </p:txBody>
-      </p:sp>
-      <p:pic>
-        <p:nvPicPr>
-          <p:cNvPr id="7" name="Content Placeholder 3"/>
-          <p:cNvPicPr>
-            <a:picLocks noChangeAspect="1"/>
-          </p:cNvPicPr>
-          <p:nvPr/>
-        </p:nvPicPr>
-        <p:blipFill>
-          <a:blip r:embed="rId2">
-            <a:extLst>
-              <a:ext uri="{28A0092B-C50C-407E-A947-70E740481C1C}">
-                <a14:useLocalDpi xmlns:a14="http://schemas.microsoft.com/office/drawing/2010/main" val="0"/>
-              </a:ext>
-            </a:extLst>
-          </a:blip>
-          <a:stretch>
-            <a:fillRect/>
-          </a:stretch>
-        </p:blipFill>
-        <p:spPr>
-          <a:xfrm>
-            <a:off x="5297763" y="1707739"/>
-            <a:ext cx="6250769" cy="3281654"/>
-          </a:xfrm>
-          <a:prstGeom prst="rect">
-            <a:avLst/>
-          </a:prstGeom>
-        </p:spPr>
-      </p:pic>
-      <p:sp>
-        <p:nvSpPr>
-          <p:cNvPr id="2" name="Title 1"/>
-          <p:cNvSpPr>
-            <a:spLocks noGrp="1"/>
-          </p:cNvSpPr>
-          <p:nvPr>
-            <p:ph type="title"/>
-          </p:nvPr>
-        </p:nvSpPr>
-        <p:spPr>
-          <a:xfrm>
-            <a:off x="511501" y="317792"/>
-            <a:ext cx="3627908" cy="797026"/>
-          </a:xfrm>
-          <a:noFill/>
-          <a:ln>
-            <a:solidFill>
-              <a:schemeClr val="bg1"/>
-            </a:solidFill>
-          </a:ln>
-        </p:spPr>
-        <p:txBody>
-          <a:bodyPr wrap="square">
-            <a:normAutofit/>
-          </a:bodyPr>
-          <a:lstStyle/>
-          <a:p>
-            <a:r>
-              <a:rPr lang="en-US" dirty="0" smtClean="0">
-                <a:solidFill>
-                  <a:schemeClr val="bg1"/>
-                </a:solidFill>
-              </a:rPr>
-              <a:t>Architectures</a:t>
-            </a:r>
-            <a:endParaRPr lang="en-US" dirty="0">
-              <a:solidFill>
-                <a:schemeClr val="bg1"/>
-              </a:solidFill>
-            </a:endParaRPr>
-          </a:p>
-        </p:txBody>
-      </p:sp>
-      <p:sp>
-        <p:nvSpPr>
-          <p:cNvPr id="9" name="Content Placeholder 8">
-            <a:extLst>
-              <a:ext uri="{FF2B5EF4-FFF2-40B4-BE49-F238E27FC236}">
-                <a16:creationId xmlns:a16="http://schemas.microsoft.com/office/drawing/2014/main" xmlns="" id="{5C8CA0C8-BF57-467C-BCA4-2A4D09D78B2B}"/>
-              </a:ext>
-            </a:extLst>
-          </p:cNvPr>
-          <p:cNvSpPr>
-            <a:spLocks noGrp="1"/>
-          </p:cNvSpPr>
-          <p:nvPr>
-            <p:ph idx="1"/>
-          </p:nvPr>
-        </p:nvSpPr>
-        <p:spPr>
-          <a:xfrm>
-            <a:off x="511501" y="1340285"/>
-            <a:ext cx="3627907" cy="5223353"/>
-          </a:xfrm>
-        </p:spPr>
-        <p:txBody>
-          <a:bodyPr>
-            <a:normAutofit fontScale="92500"/>
-          </a:bodyPr>
-          <a:lstStyle/>
-          <a:p>
-            <a:pPr marL="342900" lvl="0" indent="-342900">
-              <a:spcBef>
-                <a:spcPts val="0"/>
-              </a:spcBef>
-              <a:buClrTx/>
-              <a:buAutoNum type="alphaUcParenBoth"/>
-            </a:pPr>
-            <a:r>
-              <a:rPr lang="en-US" dirty="0" smtClean="0">
-                <a:solidFill>
-                  <a:schemeClr val="bg1"/>
-                </a:solidFill>
-              </a:rPr>
-              <a:t>a </a:t>
-            </a:r>
-            <a:r>
-              <a:rPr lang="en-US" dirty="0">
-                <a:solidFill>
-                  <a:schemeClr val="bg1"/>
-                </a:solidFill>
-              </a:rPr>
-              <a:t>CNN that is used for </a:t>
-            </a:r>
-            <a:r>
-              <a:rPr lang="en-US" dirty="0" smtClean="0">
-                <a:solidFill>
-                  <a:schemeClr val="bg1"/>
-                </a:solidFill>
-              </a:rPr>
-              <a:t>classification and </a:t>
-            </a:r>
-            <a:r>
-              <a:rPr lang="en-US" dirty="0">
-                <a:solidFill>
-                  <a:schemeClr val="bg1"/>
-                </a:solidFill>
-              </a:rPr>
-              <a:t>then re-purposed as an </a:t>
-            </a:r>
-            <a:r>
-              <a:rPr lang="en-US" dirty="0" smtClean="0">
-                <a:solidFill>
-                  <a:schemeClr val="bg1"/>
-                </a:solidFill>
-              </a:rPr>
-              <a:t>embedding</a:t>
-            </a:r>
-          </a:p>
-          <a:p>
-            <a:pPr marL="342900" lvl="0" indent="-342900">
-              <a:spcBef>
-                <a:spcPts val="0"/>
-              </a:spcBef>
-              <a:buClrTx/>
-              <a:buAutoNum type="alphaUcParenBoth"/>
-            </a:pPr>
-            <a:endParaRPr lang="en-US" dirty="0" smtClean="0">
-              <a:solidFill>
-                <a:schemeClr val="bg1"/>
-              </a:solidFill>
-            </a:endParaRPr>
-          </a:p>
-          <a:p>
-            <a:pPr marL="342900" lvl="0" indent="-342900">
-              <a:spcBef>
-                <a:spcPts val="0"/>
-              </a:spcBef>
-              <a:buClrTx/>
-              <a:buAutoNum type="alphaUcParenBoth"/>
-            </a:pPr>
-            <a:r>
-              <a:rPr lang="en-US" dirty="0">
-                <a:solidFill>
-                  <a:schemeClr val="bg1"/>
-                </a:solidFill>
-              </a:rPr>
-              <a:t>directly training </a:t>
-            </a:r>
-            <a:r>
-              <a:rPr lang="en-US" dirty="0" smtClean="0">
-                <a:solidFill>
-                  <a:schemeClr val="bg1"/>
-                </a:solidFill>
-              </a:rPr>
-              <a:t>an embedding</a:t>
-            </a:r>
-          </a:p>
-          <a:p>
-            <a:pPr marL="342900" lvl="0" indent="-342900">
-              <a:spcBef>
-                <a:spcPts val="0"/>
-              </a:spcBef>
-              <a:buClrTx/>
-              <a:buAutoNum type="alphaUcParenBoth"/>
-            </a:pPr>
-            <a:endParaRPr lang="en-US" dirty="0" smtClean="0">
-              <a:solidFill>
-                <a:schemeClr val="bg1"/>
-              </a:solidFill>
-            </a:endParaRPr>
-          </a:p>
-          <a:p>
-            <a:pPr marL="342900" lvl="0" indent="-342900">
-              <a:spcBef>
-                <a:spcPts val="0"/>
-              </a:spcBef>
-              <a:buClrTx/>
-              <a:buAutoNum type="alphaUcParenBoth"/>
-            </a:pPr>
-            <a:r>
-              <a:rPr lang="en-US" dirty="0" smtClean="0">
-                <a:solidFill>
-                  <a:schemeClr val="bg1"/>
-                </a:solidFill>
-              </a:rPr>
-              <a:t> also </a:t>
-            </a:r>
-            <a:r>
-              <a:rPr lang="en-US" dirty="0">
-                <a:solidFill>
-                  <a:schemeClr val="bg1"/>
-                </a:solidFill>
-              </a:rPr>
-              <a:t>predicting the object categories </a:t>
-            </a:r>
-            <a:r>
-              <a:rPr lang="en-US" dirty="0" err="1">
-                <a:solidFill>
-                  <a:schemeClr val="bg1"/>
-                </a:solidFill>
-              </a:rPr>
-              <a:t>Cq</a:t>
-            </a:r>
-            <a:r>
-              <a:rPr lang="en-US" dirty="0">
-                <a:solidFill>
-                  <a:schemeClr val="bg1"/>
-                </a:solidFill>
-              </a:rPr>
-              <a:t>, </a:t>
-            </a:r>
-            <a:r>
-              <a:rPr lang="en-US" dirty="0" err="1" smtClean="0">
-                <a:solidFill>
-                  <a:schemeClr val="bg1"/>
-                </a:solidFill>
-              </a:rPr>
-              <a:t>Cp</a:t>
-            </a:r>
-            <a:endParaRPr lang="en-US" dirty="0" smtClean="0">
-              <a:solidFill>
-                <a:schemeClr val="bg1"/>
-              </a:solidFill>
-            </a:endParaRPr>
-          </a:p>
-          <a:p>
-            <a:pPr marL="342900" lvl="0" indent="-342900">
-              <a:spcBef>
-                <a:spcPts val="0"/>
-              </a:spcBef>
-              <a:buClrTx/>
-              <a:buAutoNum type="alphaUcParenBoth"/>
-            </a:pPr>
-            <a:endParaRPr lang="en-US" dirty="0">
-              <a:solidFill>
-                <a:schemeClr val="bg1"/>
-              </a:solidFill>
-            </a:endParaRPr>
-          </a:p>
-          <a:p>
-            <a:pPr marL="342900" lvl="0" indent="-342900">
-              <a:spcBef>
-                <a:spcPts val="0"/>
-              </a:spcBef>
-              <a:buClrTx/>
-              <a:buAutoNum type="alphaUcParenBoth"/>
-            </a:pPr>
-            <a:r>
-              <a:rPr lang="en-US" dirty="0">
-                <a:solidFill>
-                  <a:schemeClr val="bg1"/>
-                </a:solidFill>
-              </a:rPr>
-              <a:t> also normalizing the embedding vectors to have unit L2 </a:t>
-            </a:r>
-            <a:r>
-              <a:rPr lang="en-US" dirty="0" smtClean="0">
-                <a:solidFill>
-                  <a:schemeClr val="bg1"/>
-                </a:solidFill>
-              </a:rPr>
-              <a:t>length (</a:t>
-            </a:r>
-            <a:r>
-              <a:rPr lang="en-US" dirty="0">
-                <a:solidFill>
-                  <a:schemeClr val="bg1"/>
-                </a:solidFill>
-              </a:rPr>
-              <a:t>since Euclidean distance on normalized vectors is cosine </a:t>
-            </a:r>
-            <a:r>
-              <a:rPr lang="en-US" dirty="0" smtClean="0">
-                <a:solidFill>
-                  <a:schemeClr val="bg1"/>
-                </a:solidFill>
-              </a:rPr>
-              <a:t>distance)</a:t>
-            </a:r>
-          </a:p>
-          <a:p>
-            <a:pPr marL="0" lvl="0" indent="0">
-              <a:spcBef>
-                <a:spcPts val="0"/>
-              </a:spcBef>
-              <a:buClrTx/>
-              <a:buNone/>
-            </a:pPr>
-            <a:endParaRPr lang="en-US" dirty="0" smtClean="0">
-              <a:solidFill>
-                <a:schemeClr val="bg1"/>
-              </a:solidFill>
-            </a:endParaRPr>
-          </a:p>
-          <a:p>
-            <a:pPr>
-              <a:spcBef>
-                <a:spcPts val="0"/>
-              </a:spcBef>
-              <a:buClrTx/>
-            </a:pPr>
-            <a:r>
-              <a:rPr lang="en-US" dirty="0" smtClean="0">
-                <a:solidFill>
-                  <a:schemeClr val="bg1"/>
-                </a:solidFill>
-              </a:rPr>
-              <a:t>Loss </a:t>
-            </a:r>
-            <a:r>
-              <a:rPr lang="en-US" dirty="0">
-                <a:solidFill>
-                  <a:schemeClr val="bg1"/>
-                </a:solidFill>
-              </a:rPr>
-              <a:t>for classification: </a:t>
-            </a:r>
-            <a:r>
-              <a:rPr lang="en-US" dirty="0" err="1">
-                <a:solidFill>
-                  <a:schemeClr val="bg1"/>
-                </a:solidFill>
-              </a:rPr>
-              <a:t>softmax</a:t>
-            </a:r>
-            <a:r>
-              <a:rPr lang="en-US" dirty="0">
-                <a:solidFill>
-                  <a:schemeClr val="bg1"/>
-                </a:solidFill>
-              </a:rPr>
-              <a:t> loss (</a:t>
-            </a:r>
-            <a:r>
-              <a:rPr lang="en-US" dirty="0" err="1">
-                <a:solidFill>
-                  <a:schemeClr val="bg1"/>
-                </a:solidFill>
-              </a:rPr>
-              <a:t>softmax</a:t>
-            </a:r>
-            <a:r>
-              <a:rPr lang="en-US" dirty="0">
-                <a:solidFill>
-                  <a:schemeClr val="bg1"/>
-                </a:solidFill>
-              </a:rPr>
-              <a:t> followed by </a:t>
-            </a:r>
-            <a:r>
-              <a:rPr lang="en-US" dirty="0" err="1" smtClean="0">
-                <a:solidFill>
-                  <a:schemeClr val="bg1"/>
-                </a:solidFill>
-              </a:rPr>
-              <a:t>crossentropy</a:t>
-            </a:r>
-            <a:r>
-              <a:rPr lang="en-US" dirty="0" smtClean="0">
-                <a:solidFill>
-                  <a:schemeClr val="bg1"/>
-                </a:solidFill>
-              </a:rPr>
-              <a:t>)</a:t>
-            </a:r>
-          </a:p>
-          <a:p>
-            <a:pPr>
-              <a:spcBef>
-                <a:spcPts val="0"/>
-              </a:spcBef>
-              <a:buClrTx/>
-            </a:pPr>
-            <a:endParaRPr lang="en-US" dirty="0" smtClean="0">
-              <a:solidFill>
-                <a:schemeClr val="bg1"/>
-              </a:solidFill>
-            </a:endParaRPr>
-          </a:p>
-          <a:p>
-            <a:pPr>
-              <a:spcBef>
-                <a:spcPts val="0"/>
-              </a:spcBef>
-              <a:buClrTx/>
-            </a:pPr>
-            <a:r>
-              <a:rPr lang="en-US" dirty="0">
-                <a:solidFill>
-                  <a:schemeClr val="bg1"/>
-                </a:solidFill>
-              </a:rPr>
-              <a:t>L</a:t>
-            </a:r>
-            <a:r>
-              <a:rPr lang="en-US" dirty="0" smtClean="0">
-                <a:solidFill>
-                  <a:schemeClr val="bg1"/>
-                </a:solidFill>
-              </a:rPr>
-              <a:t>oss </a:t>
-            </a:r>
-            <a:r>
-              <a:rPr lang="en-US" dirty="0">
-                <a:solidFill>
-                  <a:schemeClr val="bg1"/>
-                </a:solidFill>
-              </a:rPr>
-              <a:t>for embedding: contrastive loss</a:t>
-            </a:r>
-          </a:p>
-          <a:p>
-            <a:pPr marL="342900" lvl="0" indent="-342900">
-              <a:spcBef>
-                <a:spcPts val="0"/>
-              </a:spcBef>
-              <a:buClrTx/>
-              <a:buAutoNum type="alphaUcParenBoth"/>
-            </a:pPr>
-            <a:endParaRPr lang="en-US" dirty="0" smtClean="0">
-              <a:solidFill>
-                <a:schemeClr val="bg1"/>
-              </a:solidFill>
-            </a:endParaRPr>
-          </a:p>
-          <a:p>
-            <a:pPr marL="342900" lvl="0" indent="-342900">
-              <a:spcBef>
-                <a:spcPts val="0"/>
-              </a:spcBef>
-              <a:buClrTx/>
-              <a:buAutoNum type="alphaUcParenBoth"/>
-            </a:pPr>
-            <a:endParaRPr lang="en-US" dirty="0">
-              <a:solidFill>
-                <a:schemeClr val="bg1"/>
-              </a:solidFill>
-            </a:endParaRPr>
-          </a:p>
-        </p:txBody>
-      </p:sp>
-    </p:spTree>
-    <p:extLst>
-      <p:ext uri="{BB962C8B-B14F-4D97-AF65-F5344CB8AC3E}">
-        <p14:creationId xmlns:p14="http://schemas.microsoft.com/office/powerpoint/2010/main" val="1965325959"/>
-      </p:ext>
-    </p:extLst>
-  </p:cSld>
-  <p:clrMapOvr>
-    <a:masterClrMapping/>
-  </p:clrMapOvr>
-  <p:timing>
-    <p:tnLst>
-      <p:par>
-        <p:cTn id="1" dur="indefinite" restart="never" nodeType="tmRoot"/>
-      </p:par>
-    </p:tnLst>
-  </p:timing>
-</p:sld>
-</file>
-
-<file path=ppt/slides/slide7.xml><?xml version="1.0" encoding="utf-8"?>
-<p:sld xmlns:a="http://schemas.openxmlformats.org/drawingml/2006/main" xmlns:r="http://schemas.openxmlformats.org/officeDocument/2006/relationships" xmlns:p="http://schemas.openxmlformats.org/presentationml/2006/main">
-  <p:cSld>
-    <p:bg>
-      <p:bgPr>
-        <a:solidFill>
-          <a:schemeClr val="bg1">
-            <a:lumMod val="95000"/>
-          </a:schemeClr>
-        </a:solidFill>
-        <a:effectLst/>
-      </p:bgPr>
-    </p:bg>
-    <p:spTree>
-      <p:nvGrpSpPr>
-        <p:cNvPr id="1" name=""/>
-        <p:cNvGrpSpPr/>
-        <p:nvPr/>
-      </p:nvGrpSpPr>
-      <p:grpSpPr>
-        <a:xfrm>
-          <a:off x="0" y="0"/>
-          <a:ext cx="0" cy="0"/>
-          <a:chOff x="0" y="0"/>
-          <a:chExt cx="0" cy="0"/>
-        </a:xfrm>
-      </p:grpSpPr>
-      <p:sp useBgFill="1">
-        <p:nvSpPr>
           <p:cNvPr id="25" name="Rectangle 24">
             <a:extLst>
               <a:ext uri="{FF2B5EF4-FFF2-40B4-BE49-F238E27FC236}">
@@ -5123,7 +4732,7 @@
 </p:sld>
 </file>
 
-<file path=ppt/slides/slide8.xml><?xml version="1.0" encoding="utf-8"?>
+<file path=ppt/slides/slide7.xml><?xml version="1.0" encoding="utf-8"?>
 <p:sld xmlns:a="http://schemas.openxmlformats.org/drawingml/2006/main" xmlns:r="http://schemas.openxmlformats.org/officeDocument/2006/relationships" xmlns:p="http://schemas.openxmlformats.org/presentationml/2006/main">
   <p:cSld>
     <p:spTree>
@@ -5150,35 +4759,165 @@
             <p:ph type="title"/>
           </p:nvPr>
         </p:nvSpPr>
-        <p:spPr/>
+        <p:spPr>
+          <a:xfrm>
+            <a:off x="2097228" y="168826"/>
+            <a:ext cx="7731125" cy="945990"/>
+          </a:xfrm>
+        </p:spPr>
         <p:txBody>
           <a:bodyPr/>
           <a:lstStyle/>
           <a:p>
             <a:r>
+              <a:rPr lang="en-US" dirty="0" smtClean="0"/>
+              <a:t>Crowdsourcing object extents</a:t>
+            </a:r>
+            <a:endParaRPr lang="en-US" dirty="0"/>
+          </a:p>
+        </p:txBody>
+      </p:sp>
+      <p:pic>
+        <p:nvPicPr>
+          <p:cNvPr id="4" name="Content Placeholder 3"/>
+          <p:cNvPicPr>
+            <a:picLocks noGrp="1" noChangeAspect="1"/>
+          </p:cNvPicPr>
+          <p:nvPr>
+            <p:ph idx="1"/>
+          </p:nvPr>
+        </p:nvPicPr>
+        <p:blipFill>
+          <a:blip r:embed="rId2">
+            <a:extLst>
+              <a:ext uri="{28A0092B-C50C-407E-A947-70E740481C1C}">
+                <a14:useLocalDpi xmlns:a14="http://schemas.microsoft.com/office/drawing/2010/main" val="0"/>
+              </a:ext>
+            </a:extLst>
+          </a:blip>
+          <a:stretch>
+            <a:fillRect/>
+          </a:stretch>
+        </p:blipFill>
+        <p:spPr>
+          <a:xfrm>
+            <a:off x="2097228" y="1222822"/>
+            <a:ext cx="7731125" cy="2619351"/>
+          </a:xfrm>
+        </p:spPr>
+      </p:pic>
+      <p:sp>
+        <p:nvSpPr>
+          <p:cNvPr id="6" name="TextBox 5"/>
+          <p:cNvSpPr txBox="1"/>
+          <p:nvPr/>
+        </p:nvSpPr>
+        <p:spPr>
+          <a:xfrm>
+            <a:off x="1828800" y="4100491"/>
+            <a:ext cx="8192022" cy="2585323"/>
+          </a:xfrm>
+          <a:prstGeom prst="rect">
+            <a:avLst/>
+          </a:prstGeom>
+          <a:noFill/>
+        </p:spPr>
+        <p:txBody>
+          <a:bodyPr wrap="square" rtlCol="0">
+            <a:spAutoFit/>
+          </a:bodyPr>
+          <a:lstStyle/>
+          <a:p>
+            <a:pPr marL="285750" indent="-285750">
+              <a:buFont typeface="Arial" charset="0"/>
+              <a:buChar char="•"/>
+            </a:pPr>
+            <a:r>
+              <a:rPr lang="en-US" dirty="0" smtClean="0"/>
+              <a:t>Used </a:t>
+            </a:r>
+            <a:r>
               <a:rPr lang="en-US" dirty="0" err="1" smtClean="0"/>
-              <a:t>Input/Output</a:t>
-            </a:r>
-            <a:endParaRPr lang="en-US" dirty="0"/>
-          </a:p>
-        </p:txBody>
-      </p:sp>
-      <p:sp>
-        <p:nvSpPr>
-          <p:cNvPr id="3" name="Content Placeholder 2"/>
-          <p:cNvSpPr>
-            <a:spLocks noGrp="1"/>
-          </p:cNvSpPr>
-          <p:nvPr>
-            <p:ph idx="1"/>
-          </p:nvPr>
-        </p:nvSpPr>
-        <p:spPr/>
-        <p:txBody>
-          <a:bodyPr/>
-          <a:lstStyle/>
-          <a:p>
-            <a:endParaRPr lang="en-US"/>
+              <a:t>MTurk</a:t>
+            </a:r>
+            <a:r>
+              <a:rPr lang="en-US" dirty="0" smtClean="0"/>
+              <a:t> to obtain bounding boxes around the object</a:t>
+            </a:r>
+          </a:p>
+          <a:p>
+            <a:pPr marL="285750" indent="-285750">
+              <a:buFont typeface="Arial" charset="0"/>
+              <a:buChar char="•"/>
+            </a:pPr>
+            <a:r>
+              <a:rPr lang="en-US" dirty="0" smtClean="0"/>
+              <a:t>Quality control using SENTINELS!!</a:t>
+            </a:r>
+          </a:p>
+          <a:p>
+            <a:pPr marL="742950" lvl="1" indent="-285750">
+              <a:buFont typeface="Arial" charset="0"/>
+              <a:buChar char="•"/>
+            </a:pPr>
+            <a:r>
+              <a:rPr lang="en-US" dirty="0" smtClean="0"/>
+              <a:t>Sentinels are secret test images randomly mixed into each task</a:t>
+            </a:r>
+          </a:p>
+          <a:p>
+            <a:pPr marL="742950" lvl="1" indent="-285750">
+              <a:buFont typeface="Arial" charset="0"/>
+              <a:buChar char="•"/>
+            </a:pPr>
+            <a:r>
+              <a:rPr lang="en-US" dirty="0" smtClean="0"/>
+              <a:t>Sentinels ensure that bad workers are quickly blocked</a:t>
+            </a:r>
+          </a:p>
+          <a:p>
+            <a:pPr marL="742950" lvl="1" indent="-285750">
+              <a:buFont typeface="Arial" charset="0"/>
+              <a:buChar char="•"/>
+            </a:pPr>
+            <a:r>
+              <a:rPr lang="en-US" dirty="0" smtClean="0"/>
+              <a:t>Users must agree with the ground truth by having IOU score of at least 0.7</a:t>
+            </a:r>
+          </a:p>
+          <a:p>
+            <a:pPr marL="742950" lvl="1" indent="-285750">
+              <a:buFont typeface="Arial" charset="0"/>
+              <a:buChar char="•"/>
+            </a:pPr>
+            <a:r>
+              <a:rPr lang="en-US" dirty="0" smtClean="0"/>
+              <a:t>If users make mistakes frequently, prevent the user from submitting</a:t>
+            </a:r>
+          </a:p>
+          <a:p>
+            <a:pPr marL="742950" lvl="1" indent="-285750">
+              <a:buFont typeface="Arial" charset="0"/>
+              <a:buChar char="•"/>
+            </a:pPr>
+            <a:r>
+              <a:rPr lang="en-US" dirty="0" smtClean="0"/>
+              <a:t>11.9% of workers were blocked by sentinels</a:t>
+            </a:r>
+          </a:p>
+          <a:p>
+            <a:pPr marL="742950" lvl="1" indent="-285750">
+              <a:buFont typeface="Arial" charset="0"/>
+              <a:buChar char="•"/>
+            </a:pPr>
+            <a:endParaRPr lang="en-US" dirty="0" smtClean="0"/>
+          </a:p>
+          <a:p>
+            <a:pPr marL="742950" lvl="1" indent="-285750">
+              <a:buFont typeface="Arial" charset="0"/>
+              <a:buChar char="•"/>
+            </a:pPr>
+            <a:endParaRPr lang="en-US" dirty="0" smtClean="0"/>
           </a:p>
         </p:txBody>
       </p:sp>
@@ -5186,6 +4925,784 @@
     <p:extLst>
       <p:ext uri="{BB962C8B-B14F-4D97-AF65-F5344CB8AC3E}">
         <p14:creationId xmlns:p14="http://schemas.microsoft.com/office/powerpoint/2010/main" val="360360881"/>
+      </p:ext>
+    </p:extLst>
+  </p:cSld>
+  <p:clrMapOvr>
+    <a:masterClrMapping/>
+  </p:clrMapOvr>
+  <p:timing>
+    <p:tnLst>
+      <p:par>
+        <p:cTn id="1" dur="indefinite" restart="never" nodeType="tmRoot"/>
+      </p:par>
+    </p:tnLst>
+  </p:timing>
+</p:sld>
+</file>
+
+<file path=ppt/slides/slide8.xml><?xml version="1.0" encoding="utf-8"?>
+<p:sld xmlns:a="http://schemas.openxmlformats.org/drawingml/2006/main" xmlns:r="http://schemas.openxmlformats.org/officeDocument/2006/relationships" xmlns:p="http://schemas.openxmlformats.org/presentationml/2006/main">
+  <p:cSld>
+    <p:bg>
+      <p:bgPr>
+        <a:solidFill>
+          <a:schemeClr val="bg1">
+            <a:lumMod val="95000"/>
+          </a:schemeClr>
+        </a:solidFill>
+        <a:effectLst/>
+      </p:bgPr>
+    </p:bg>
+    <p:spTree>
+      <p:nvGrpSpPr>
+        <p:cNvPr id="1" name=""/>
+        <p:cNvGrpSpPr/>
+        <p:nvPr/>
+      </p:nvGrpSpPr>
+      <p:grpSpPr>
+        <a:xfrm>
+          <a:off x="0" y="0"/>
+          <a:ext cx="0" cy="0"/>
+          <a:chOff x="0" y="0"/>
+          <a:chExt cx="0" cy="0"/>
+        </a:xfrm>
+      </p:grpSpPr>
+      <p:sp useBgFill="1">
+        <p:nvSpPr>
+          <p:cNvPr id="12" name="Rectangle 11">
+            <a:extLst>
+              <a:ext uri="{FF2B5EF4-FFF2-40B4-BE49-F238E27FC236}">
+                <a16:creationId xmlns:a16="http://schemas.microsoft.com/office/drawing/2014/main" xmlns="" id="{1660E788-AFA9-4A1B-9991-6AA74632A15B}"/>
+              </a:ext>
+            </a:extLst>
+          </p:cNvPr>
+          <p:cNvSpPr>
+            <a:spLocks noGrp="1" noRot="1" noChangeAspect="1" noMove="1" noResize="1" noEditPoints="1" noAdjustHandles="1" noChangeArrowheads="1" noChangeShapeType="1" noTextEdit="1"/>
+          </p:cNvSpPr>
+          <p:nvPr>
+            <p:extLst>
+              <p:ext uri="{386F3935-93C4-4BCD-93E2-E3B085C9AB24}">
+                <p16:designElem xmlns:p16="http://schemas.microsoft.com/office/powerpoint/2015/main" val="1"/>
+              </p:ext>
+            </p:extLst>
+          </p:nvPr>
+        </p:nvSpPr>
+        <p:spPr>
+          <a:xfrm>
+            <a:off x="0" y="0"/>
+            <a:ext cx="12191999" cy="6858000"/>
+          </a:xfrm>
+          <a:prstGeom prst="rect">
+            <a:avLst/>
+          </a:prstGeom>
+          <a:ln>
+            <a:noFill/>
+          </a:ln>
+        </p:spPr>
+        <p:style>
+          <a:lnRef idx="2">
+            <a:schemeClr val="accent1">
+              <a:shade val="50000"/>
+            </a:schemeClr>
+          </a:lnRef>
+          <a:fillRef idx="1">
+            <a:schemeClr val="accent1"/>
+          </a:fillRef>
+          <a:effectRef idx="0">
+            <a:schemeClr val="accent1"/>
+          </a:effectRef>
+          <a:fontRef idx="minor">
+            <a:schemeClr val="lt1"/>
+          </a:fontRef>
+        </p:style>
+        <p:txBody>
+          <a:bodyPr rtlCol="0" anchor="ctr"/>
+          <a:lstStyle/>
+          <a:p>
+            <a:pPr algn="ctr"/>
+            <a:endParaRPr lang="en-US"/>
+          </a:p>
+        </p:txBody>
+      </p:sp>
+      <p:sp>
+        <p:nvSpPr>
+          <p:cNvPr id="14" name="Rectangle 13">
+            <a:extLst>
+              <a:ext uri="{FF2B5EF4-FFF2-40B4-BE49-F238E27FC236}">
+                <a16:creationId xmlns:a16="http://schemas.microsoft.com/office/drawing/2014/main" xmlns="" id="{867D4867-5BA7-4462-B2F6-A23F4A622AA7}"/>
+              </a:ext>
+            </a:extLst>
+          </p:cNvPr>
+          <p:cNvSpPr>
+            <a:spLocks noGrp="1" noRot="1" noChangeAspect="1" noMove="1" noResize="1" noEditPoints="1" noAdjustHandles="1" noChangeArrowheads="1" noChangeShapeType="1" noTextEdit="1"/>
+          </p:cNvSpPr>
+          <p:nvPr>
+            <p:extLst>
+              <p:ext uri="{386F3935-93C4-4BCD-93E2-E3B085C9AB24}">
+                <p16:designElem xmlns:p16="http://schemas.microsoft.com/office/powerpoint/2015/main" val="1"/>
+              </p:ext>
+            </p:extLst>
+          </p:nvPr>
+        </p:nvSpPr>
+        <p:spPr>
+          <a:xfrm>
+            <a:off x="0" y="0"/>
+            <a:ext cx="4654296" cy="6858000"/>
+          </a:xfrm>
+          <a:prstGeom prst="rect">
+            <a:avLst/>
+          </a:prstGeom>
+          <a:solidFill>
+            <a:schemeClr val="tx2"/>
+          </a:solidFill>
+          <a:ln>
+            <a:noFill/>
+          </a:ln>
+        </p:spPr>
+        <p:style>
+          <a:lnRef idx="0">
+            <a:scrgbClr r="0" g="0" b="0"/>
+          </a:lnRef>
+          <a:fillRef idx="0">
+            <a:scrgbClr r="0" g="0" b="0"/>
+          </a:fillRef>
+          <a:effectRef idx="0">
+            <a:scrgbClr r="0" g="0" b="0"/>
+          </a:effectRef>
+          <a:fontRef idx="minor">
+            <a:schemeClr val="lt1"/>
+          </a:fontRef>
+        </p:style>
+        <p:txBody>
+          <a:bodyPr rtlCol="0" anchor="ctr"/>
+          <a:lstStyle/>
+          <a:p>
+            <a:pPr algn="ctr"/>
+            <a:endParaRPr lang="en-US"/>
+          </a:p>
+        </p:txBody>
+      </p:sp>
+      <p:pic>
+        <p:nvPicPr>
+          <p:cNvPr id="7" name="Content Placeholder 3"/>
+          <p:cNvPicPr>
+            <a:picLocks noChangeAspect="1"/>
+          </p:cNvPicPr>
+          <p:nvPr/>
+        </p:nvPicPr>
+        <p:blipFill>
+          <a:blip r:embed="rId2">
+            <a:extLst>
+              <a:ext uri="{28A0092B-C50C-407E-A947-70E740481C1C}">
+                <a14:useLocalDpi xmlns:a14="http://schemas.microsoft.com/office/drawing/2010/main" val="0"/>
+              </a:ext>
+            </a:extLst>
+          </a:blip>
+          <a:stretch>
+            <a:fillRect/>
+          </a:stretch>
+        </p:blipFill>
+        <p:spPr>
+          <a:xfrm>
+            <a:off x="5297763" y="317792"/>
+            <a:ext cx="6250769" cy="3281654"/>
+          </a:xfrm>
+          <a:prstGeom prst="rect">
+            <a:avLst/>
+          </a:prstGeom>
+        </p:spPr>
+      </p:pic>
+      <p:sp>
+        <p:nvSpPr>
+          <p:cNvPr id="2" name="Title 1"/>
+          <p:cNvSpPr>
+            <a:spLocks noGrp="1"/>
+          </p:cNvSpPr>
+          <p:nvPr>
+            <p:ph type="title"/>
+          </p:nvPr>
+        </p:nvSpPr>
+        <p:spPr>
+          <a:xfrm>
+            <a:off x="511501" y="317792"/>
+            <a:ext cx="3627908" cy="797026"/>
+          </a:xfrm>
+          <a:noFill/>
+          <a:ln>
+            <a:solidFill>
+              <a:schemeClr val="bg1"/>
+            </a:solidFill>
+          </a:ln>
+        </p:spPr>
+        <p:txBody>
+          <a:bodyPr wrap="square">
+            <a:normAutofit/>
+          </a:bodyPr>
+          <a:lstStyle/>
+          <a:p>
+            <a:r>
+              <a:rPr lang="en-US" dirty="0" smtClean="0">
+                <a:solidFill>
+                  <a:schemeClr val="bg1"/>
+                </a:solidFill>
+              </a:rPr>
+              <a:t>Architectures</a:t>
+            </a:r>
+            <a:endParaRPr lang="en-US" dirty="0">
+              <a:solidFill>
+                <a:schemeClr val="bg1"/>
+              </a:solidFill>
+            </a:endParaRPr>
+          </a:p>
+        </p:txBody>
+      </p:sp>
+      <p:sp>
+        <p:nvSpPr>
+          <p:cNvPr id="9" name="Content Placeholder 8">
+            <a:extLst>
+              <a:ext uri="{FF2B5EF4-FFF2-40B4-BE49-F238E27FC236}">
+                <a16:creationId xmlns:a16="http://schemas.microsoft.com/office/drawing/2014/main" xmlns="" id="{5C8CA0C8-BF57-467C-BCA4-2A4D09D78B2B}"/>
+              </a:ext>
+            </a:extLst>
+          </p:cNvPr>
+          <p:cNvSpPr>
+            <a:spLocks noGrp="1"/>
+          </p:cNvSpPr>
+          <p:nvPr>
+            <p:ph idx="1"/>
+          </p:nvPr>
+        </p:nvSpPr>
+        <p:spPr>
+          <a:xfrm>
+            <a:off x="511501" y="1340285"/>
+            <a:ext cx="3627907" cy="5223353"/>
+          </a:xfrm>
+        </p:spPr>
+        <p:txBody>
+          <a:bodyPr>
+            <a:normAutofit fontScale="92500"/>
+          </a:bodyPr>
+          <a:lstStyle/>
+          <a:p>
+            <a:pPr marL="342900" lvl="0" indent="-342900">
+              <a:spcBef>
+                <a:spcPts val="0"/>
+              </a:spcBef>
+              <a:buClrTx/>
+              <a:buAutoNum type="alphaUcParenBoth"/>
+            </a:pPr>
+            <a:r>
+              <a:rPr lang="en-US" dirty="0" smtClean="0">
+                <a:solidFill>
+                  <a:schemeClr val="bg1"/>
+                </a:solidFill>
+              </a:rPr>
+              <a:t>a </a:t>
+            </a:r>
+            <a:r>
+              <a:rPr lang="en-US" dirty="0">
+                <a:solidFill>
+                  <a:schemeClr val="bg1"/>
+                </a:solidFill>
+              </a:rPr>
+              <a:t>CNN that is used for </a:t>
+            </a:r>
+            <a:r>
+              <a:rPr lang="en-US" dirty="0" smtClean="0">
+                <a:solidFill>
+                  <a:schemeClr val="bg1"/>
+                </a:solidFill>
+              </a:rPr>
+              <a:t>classification and </a:t>
+            </a:r>
+            <a:r>
+              <a:rPr lang="en-US" dirty="0">
+                <a:solidFill>
+                  <a:schemeClr val="bg1"/>
+                </a:solidFill>
+              </a:rPr>
+              <a:t>then re-purposed as an </a:t>
+            </a:r>
+            <a:r>
+              <a:rPr lang="en-US" dirty="0" smtClean="0">
+                <a:solidFill>
+                  <a:schemeClr val="bg1"/>
+                </a:solidFill>
+              </a:rPr>
+              <a:t>embedding</a:t>
+            </a:r>
+          </a:p>
+          <a:p>
+            <a:pPr marL="342900" lvl="0" indent="-342900">
+              <a:spcBef>
+                <a:spcPts val="0"/>
+              </a:spcBef>
+              <a:buClrTx/>
+              <a:buAutoNum type="alphaUcParenBoth"/>
+            </a:pPr>
+            <a:endParaRPr lang="en-US" dirty="0" smtClean="0">
+              <a:solidFill>
+                <a:schemeClr val="bg1"/>
+              </a:solidFill>
+            </a:endParaRPr>
+          </a:p>
+          <a:p>
+            <a:pPr marL="342900" lvl="0" indent="-342900">
+              <a:spcBef>
+                <a:spcPts val="0"/>
+              </a:spcBef>
+              <a:buClrTx/>
+              <a:buAutoNum type="alphaUcParenBoth"/>
+            </a:pPr>
+            <a:r>
+              <a:rPr lang="en-US" dirty="0">
+                <a:solidFill>
+                  <a:schemeClr val="bg1"/>
+                </a:solidFill>
+              </a:rPr>
+              <a:t>directly training </a:t>
+            </a:r>
+            <a:r>
+              <a:rPr lang="en-US" dirty="0" smtClean="0">
+                <a:solidFill>
+                  <a:schemeClr val="bg1"/>
+                </a:solidFill>
+              </a:rPr>
+              <a:t>an embedding</a:t>
+            </a:r>
+          </a:p>
+          <a:p>
+            <a:pPr marL="342900" lvl="0" indent="-342900">
+              <a:spcBef>
+                <a:spcPts val="0"/>
+              </a:spcBef>
+              <a:buClrTx/>
+              <a:buAutoNum type="alphaUcParenBoth"/>
+            </a:pPr>
+            <a:endParaRPr lang="en-US" dirty="0" smtClean="0">
+              <a:solidFill>
+                <a:schemeClr val="bg1"/>
+              </a:solidFill>
+            </a:endParaRPr>
+          </a:p>
+          <a:p>
+            <a:pPr marL="342900" lvl="0" indent="-342900">
+              <a:spcBef>
+                <a:spcPts val="0"/>
+              </a:spcBef>
+              <a:buClrTx/>
+              <a:buAutoNum type="alphaUcParenBoth"/>
+            </a:pPr>
+            <a:r>
+              <a:rPr lang="en-US" dirty="0" smtClean="0">
+                <a:solidFill>
+                  <a:schemeClr val="bg1"/>
+                </a:solidFill>
+              </a:rPr>
+              <a:t> also </a:t>
+            </a:r>
+            <a:r>
+              <a:rPr lang="en-US" dirty="0">
+                <a:solidFill>
+                  <a:schemeClr val="bg1"/>
+                </a:solidFill>
+              </a:rPr>
+              <a:t>predicting the object categories </a:t>
+            </a:r>
+            <a:r>
+              <a:rPr lang="en-US" dirty="0" err="1">
+                <a:solidFill>
+                  <a:schemeClr val="bg1"/>
+                </a:solidFill>
+              </a:rPr>
+              <a:t>Cq</a:t>
+            </a:r>
+            <a:r>
+              <a:rPr lang="en-US" dirty="0">
+                <a:solidFill>
+                  <a:schemeClr val="bg1"/>
+                </a:solidFill>
+              </a:rPr>
+              <a:t>, </a:t>
+            </a:r>
+            <a:r>
+              <a:rPr lang="en-US" dirty="0" err="1" smtClean="0">
+                <a:solidFill>
+                  <a:schemeClr val="bg1"/>
+                </a:solidFill>
+              </a:rPr>
+              <a:t>Cp</a:t>
+            </a:r>
+            <a:endParaRPr lang="en-US" dirty="0" smtClean="0">
+              <a:solidFill>
+                <a:schemeClr val="bg1"/>
+              </a:solidFill>
+            </a:endParaRPr>
+          </a:p>
+          <a:p>
+            <a:pPr marL="342900" lvl="0" indent="-342900">
+              <a:spcBef>
+                <a:spcPts val="0"/>
+              </a:spcBef>
+              <a:buClrTx/>
+              <a:buAutoNum type="alphaUcParenBoth"/>
+            </a:pPr>
+            <a:endParaRPr lang="en-US" dirty="0">
+              <a:solidFill>
+                <a:schemeClr val="bg1"/>
+              </a:solidFill>
+            </a:endParaRPr>
+          </a:p>
+          <a:p>
+            <a:pPr marL="342900" lvl="0" indent="-342900">
+              <a:spcBef>
+                <a:spcPts val="0"/>
+              </a:spcBef>
+              <a:buClrTx/>
+              <a:buAutoNum type="alphaUcParenBoth"/>
+            </a:pPr>
+            <a:r>
+              <a:rPr lang="en-US" dirty="0">
+                <a:solidFill>
+                  <a:schemeClr val="bg1"/>
+                </a:solidFill>
+              </a:rPr>
+              <a:t> also normalizing the embedding vectors to have unit L2 </a:t>
+            </a:r>
+            <a:r>
+              <a:rPr lang="en-US" dirty="0" smtClean="0">
+                <a:solidFill>
+                  <a:schemeClr val="bg1"/>
+                </a:solidFill>
+              </a:rPr>
+              <a:t>length (</a:t>
+            </a:r>
+            <a:r>
+              <a:rPr lang="en-US" dirty="0">
+                <a:solidFill>
+                  <a:schemeClr val="bg1"/>
+                </a:solidFill>
+              </a:rPr>
+              <a:t>since Euclidean distance on normalized vectors is cosine </a:t>
+            </a:r>
+            <a:r>
+              <a:rPr lang="en-US" dirty="0" smtClean="0">
+                <a:solidFill>
+                  <a:schemeClr val="bg1"/>
+                </a:solidFill>
+              </a:rPr>
+              <a:t>distance)</a:t>
+            </a:r>
+          </a:p>
+          <a:p>
+            <a:pPr marL="0" lvl="0" indent="0">
+              <a:spcBef>
+                <a:spcPts val="0"/>
+              </a:spcBef>
+              <a:buClrTx/>
+              <a:buNone/>
+            </a:pPr>
+            <a:endParaRPr lang="en-US" dirty="0" smtClean="0">
+              <a:solidFill>
+                <a:schemeClr val="bg1"/>
+              </a:solidFill>
+            </a:endParaRPr>
+          </a:p>
+          <a:p>
+            <a:pPr>
+              <a:spcBef>
+                <a:spcPts val="0"/>
+              </a:spcBef>
+              <a:buClrTx/>
+            </a:pPr>
+            <a:r>
+              <a:rPr lang="en-US" dirty="0" smtClean="0">
+                <a:solidFill>
+                  <a:schemeClr val="bg1"/>
+                </a:solidFill>
+              </a:rPr>
+              <a:t>Loss </a:t>
+            </a:r>
+            <a:r>
+              <a:rPr lang="en-US" dirty="0">
+                <a:solidFill>
+                  <a:schemeClr val="bg1"/>
+                </a:solidFill>
+              </a:rPr>
+              <a:t>for classification: </a:t>
+            </a:r>
+            <a:r>
+              <a:rPr lang="en-US" dirty="0" err="1">
+                <a:solidFill>
+                  <a:schemeClr val="bg1"/>
+                </a:solidFill>
+              </a:rPr>
+              <a:t>softmax</a:t>
+            </a:r>
+            <a:r>
+              <a:rPr lang="en-US" dirty="0">
+                <a:solidFill>
+                  <a:schemeClr val="bg1"/>
+                </a:solidFill>
+              </a:rPr>
+              <a:t> loss (</a:t>
+            </a:r>
+            <a:r>
+              <a:rPr lang="en-US" dirty="0" err="1">
+                <a:solidFill>
+                  <a:schemeClr val="bg1"/>
+                </a:solidFill>
+              </a:rPr>
+              <a:t>softmax</a:t>
+            </a:r>
+            <a:r>
+              <a:rPr lang="en-US" dirty="0">
+                <a:solidFill>
+                  <a:schemeClr val="bg1"/>
+                </a:solidFill>
+              </a:rPr>
+              <a:t> followed by </a:t>
+            </a:r>
+            <a:r>
+              <a:rPr lang="en-US" dirty="0" err="1" smtClean="0">
+                <a:solidFill>
+                  <a:schemeClr val="bg1"/>
+                </a:solidFill>
+              </a:rPr>
+              <a:t>crossentropy</a:t>
+            </a:r>
+            <a:r>
+              <a:rPr lang="en-US" dirty="0" smtClean="0">
+                <a:solidFill>
+                  <a:schemeClr val="bg1"/>
+                </a:solidFill>
+              </a:rPr>
+              <a:t>)</a:t>
+            </a:r>
+          </a:p>
+          <a:p>
+            <a:pPr>
+              <a:spcBef>
+                <a:spcPts val="0"/>
+              </a:spcBef>
+              <a:buClrTx/>
+            </a:pPr>
+            <a:endParaRPr lang="en-US" dirty="0" smtClean="0">
+              <a:solidFill>
+                <a:schemeClr val="bg1"/>
+              </a:solidFill>
+            </a:endParaRPr>
+          </a:p>
+          <a:p>
+            <a:pPr>
+              <a:spcBef>
+                <a:spcPts val="0"/>
+              </a:spcBef>
+              <a:buClrTx/>
+            </a:pPr>
+            <a:r>
+              <a:rPr lang="en-US" dirty="0">
+                <a:solidFill>
+                  <a:schemeClr val="bg1"/>
+                </a:solidFill>
+              </a:rPr>
+              <a:t>L</a:t>
+            </a:r>
+            <a:r>
+              <a:rPr lang="en-US" dirty="0" smtClean="0">
+                <a:solidFill>
+                  <a:schemeClr val="bg1"/>
+                </a:solidFill>
+              </a:rPr>
+              <a:t>oss </a:t>
+            </a:r>
+            <a:r>
+              <a:rPr lang="en-US" dirty="0">
+                <a:solidFill>
+                  <a:schemeClr val="bg1"/>
+                </a:solidFill>
+              </a:rPr>
+              <a:t>for embedding: contrastive loss</a:t>
+            </a:r>
+          </a:p>
+          <a:p>
+            <a:pPr marL="342900" lvl="0" indent="-342900">
+              <a:spcBef>
+                <a:spcPts val="0"/>
+              </a:spcBef>
+              <a:buClrTx/>
+              <a:buAutoNum type="alphaUcParenBoth"/>
+            </a:pPr>
+            <a:endParaRPr lang="en-US" dirty="0" smtClean="0">
+              <a:solidFill>
+                <a:schemeClr val="bg1"/>
+              </a:solidFill>
+            </a:endParaRPr>
+          </a:p>
+          <a:p>
+            <a:pPr marL="342900" lvl="0" indent="-342900">
+              <a:spcBef>
+                <a:spcPts val="0"/>
+              </a:spcBef>
+              <a:buClrTx/>
+              <a:buAutoNum type="alphaUcParenBoth"/>
+            </a:pPr>
+            <a:endParaRPr lang="en-US" dirty="0">
+              <a:solidFill>
+                <a:schemeClr val="bg1"/>
+              </a:solidFill>
+            </a:endParaRPr>
+          </a:p>
+        </p:txBody>
+      </p:sp>
+      <p:sp>
+        <p:nvSpPr>
+          <p:cNvPr id="3" name="TextBox 2"/>
+          <p:cNvSpPr txBox="1"/>
+          <p:nvPr/>
+        </p:nvSpPr>
+        <p:spPr>
+          <a:xfrm>
+            <a:off x="5297763" y="3782860"/>
+            <a:ext cx="6250769" cy="2862322"/>
+          </a:xfrm>
+          <a:prstGeom prst="rect">
+            <a:avLst/>
+          </a:prstGeom>
+          <a:noFill/>
+        </p:spPr>
+        <p:txBody>
+          <a:bodyPr wrap="square" rtlCol="0">
+            <a:spAutoFit/>
+          </a:bodyPr>
+          <a:lstStyle/>
+          <a:p>
+            <a:r>
+              <a:rPr lang="en-US" dirty="0" smtClean="0"/>
+              <a:t>TRAINING</a:t>
+            </a:r>
+          </a:p>
+          <a:p>
+            <a:pPr marL="285750" indent="-285750">
+              <a:buFont typeface="Arial" charset="0"/>
+              <a:buChar char="•"/>
+            </a:pPr>
+            <a:r>
+              <a:rPr lang="en-US" dirty="0"/>
+              <a:t>63,820,250 training pairs with 1:20 positive to negative ratio</a:t>
+            </a:r>
+          </a:p>
+          <a:p>
+            <a:pPr marL="285750" indent="-285750">
+              <a:buFont typeface="Arial" charset="0"/>
+              <a:buChar char="•"/>
+            </a:pPr>
+            <a:r>
+              <a:rPr lang="en-US" dirty="0"/>
+              <a:t>Stochastic gradient descent</a:t>
+            </a:r>
+          </a:p>
+          <a:p>
+            <a:pPr marL="285750" indent="-285750">
+              <a:buFont typeface="Arial" charset="0"/>
+              <a:buChar char="•"/>
+            </a:pPr>
+            <a:r>
+              <a:rPr lang="en-US" dirty="0"/>
+              <a:t>Weights initialized from the learned weights hosted on BVLC </a:t>
+            </a:r>
+            <a:r>
+              <a:rPr lang="en-US" dirty="0" err="1"/>
+              <a:t>Caffe</a:t>
+            </a:r>
+            <a:r>
+              <a:rPr lang="en-US" dirty="0"/>
+              <a:t> </a:t>
+            </a:r>
+            <a:r>
+              <a:rPr lang="en-US" dirty="0" smtClean="0"/>
+              <a:t>website</a:t>
+            </a:r>
+          </a:p>
+          <a:p>
+            <a:pPr marL="285750" indent="-285750">
+              <a:buFont typeface="Arial" charset="0"/>
+              <a:buChar char="•"/>
+            </a:pPr>
+            <a:r>
+              <a:rPr lang="en-US" dirty="0" smtClean="0"/>
+              <a:t>Contrastive </a:t>
+            </a:r>
+            <a:r>
+              <a:rPr lang="en-US" dirty="0"/>
+              <a:t>loss function margin m ∈ {1, √10, √100, √1000, </a:t>
+            </a:r>
+            <a:r>
+              <a:rPr lang="en-US" dirty="0" smtClean="0"/>
+              <a:t>}</a:t>
+            </a:r>
+          </a:p>
+          <a:p>
+            <a:pPr marL="285750" indent="-285750">
+              <a:buFont typeface="Arial" charset="0"/>
+              <a:buChar char="•"/>
+            </a:pPr>
+            <a:r>
+              <a:rPr lang="en-US" dirty="0" smtClean="0"/>
+              <a:t>Embedding </a:t>
+            </a:r>
+            <a:r>
+              <a:rPr lang="en-US" dirty="0"/>
+              <a:t>size = Last layer with a D-</a:t>
+            </a:r>
+            <a:r>
+              <a:rPr lang="en-US" dirty="0" err="1"/>
+              <a:t>dimentional</a:t>
+            </a:r>
+            <a:r>
+              <a:rPr lang="en-US" dirty="0"/>
+              <a:t> </a:t>
+            </a:r>
+            <a:r>
+              <a:rPr lang="en-US" dirty="0" smtClean="0"/>
+              <a:t>output</a:t>
+            </a:r>
+          </a:p>
+          <a:p>
+            <a:pPr marL="285750" indent="-285750">
+              <a:buFont typeface="Arial" charset="0"/>
+              <a:buChar char="•"/>
+            </a:pPr>
+            <a:r>
+              <a:rPr lang="en-US" dirty="0" smtClean="0"/>
+              <a:t>D </a:t>
+            </a:r>
+            <a:r>
+              <a:rPr lang="en-US" dirty="0"/>
+              <a:t>∈ {256, 1024, 4096}</a:t>
+            </a:r>
+          </a:p>
+          <a:p>
+            <a:pPr marL="285750" indent="-285750">
+              <a:buFont typeface="Arial" charset="0"/>
+              <a:buChar char="•"/>
+            </a:pPr>
+            <a:endParaRPr lang="en-US" dirty="0" smtClean="0"/>
+          </a:p>
+          <a:p>
+            <a:pPr marL="285750" indent="-285750">
+              <a:buFont typeface="Arial" charset="0"/>
+              <a:buChar char="•"/>
+            </a:pPr>
+            <a:endParaRPr lang="en-US" dirty="0"/>
+          </a:p>
+        </p:txBody>
+      </p:sp>
+    </p:spTree>
+    <p:extLst>
+      <p:ext uri="{BB962C8B-B14F-4D97-AF65-F5344CB8AC3E}">
+        <p14:creationId xmlns:p14="http://schemas.microsoft.com/office/powerpoint/2010/main" val="1965325959"/>
       </p:ext>
     </p:extLst>
   </p:cSld>
@@ -5219,58 +5736,117 @@
           <a:chExt cx="0" cy="0"/>
         </a:xfrm>
       </p:grpSpPr>
-      <p:sp>
-        <p:nvSpPr>
-          <p:cNvPr id="2" name="Title 1"/>
-          <p:cNvSpPr>
-            <a:spLocks noGrp="1"/>
-          </p:cNvSpPr>
-          <p:nvPr>
-            <p:ph type="title"/>
-          </p:nvPr>
-        </p:nvSpPr>
-        <p:spPr/>
-        <p:txBody>
-          <a:bodyPr/>
-          <a:lstStyle/>
-          <a:p>
+      <p:pic>
+        <p:nvPicPr>
+          <p:cNvPr id="4" name="Content Placeholder 3"/>
+          <p:cNvPicPr>
+            <a:picLocks noGrp="1" noChangeAspect="1"/>
+          </p:cNvPicPr>
+          <p:nvPr>
+            <p:ph idx="1"/>
+          </p:nvPr>
+        </p:nvPicPr>
+        <p:blipFill>
+          <a:blip r:embed="rId2">
+            <a:extLst>
+              <a:ext uri="{28A0092B-C50C-407E-A947-70E740481C1C}">
+                <a14:useLocalDpi xmlns:a14="http://schemas.microsoft.com/office/drawing/2010/main" val="0"/>
+              </a:ext>
+            </a:extLst>
+          </a:blip>
+          <a:stretch>
+            <a:fillRect/>
+          </a:stretch>
+        </p:blipFill>
+        <p:spPr>
+          <a:xfrm>
+            <a:off x="2580362" y="48290"/>
+            <a:ext cx="9611638" cy="6809710"/>
+          </a:xfrm>
+        </p:spPr>
+      </p:pic>
+      <p:sp>
+        <p:nvSpPr>
+          <p:cNvPr id="5" name="TextBox 4"/>
+          <p:cNvSpPr txBox="1"/>
+          <p:nvPr/>
+        </p:nvSpPr>
+        <p:spPr>
+          <a:xfrm>
+            <a:off x="212943" y="200416"/>
+            <a:ext cx="2192054" cy="4431983"/>
+          </a:xfrm>
+          <a:prstGeom prst="rect">
+            <a:avLst/>
+          </a:prstGeom>
+          <a:noFill/>
+        </p:spPr>
+        <p:txBody>
+          <a:bodyPr wrap="square" rtlCol="0">
+            <a:spAutoFit/>
+          </a:bodyPr>
+          <a:lstStyle/>
+          <a:p>
+            <a:r>
+              <a:rPr lang="en-US" sz="2400" dirty="0" smtClean="0"/>
+              <a:t>VISUALIZING THE EMBEDDING</a:t>
+            </a:r>
+          </a:p>
+          <a:p>
+            <a:endParaRPr lang="en-US" sz="2400" dirty="0"/>
+          </a:p>
+          <a:p>
+            <a:pPr marL="342900" indent="-342900">
+              <a:buFont typeface="Arial" charset="0"/>
+              <a:buChar char="•"/>
+            </a:pPr>
             <a:r>
               <a:rPr lang="en-US" dirty="0" smtClean="0"/>
-              <a:t>Results</a:t>
-            </a:r>
-            <a:endParaRPr lang="en-US" dirty="0"/>
-          </a:p>
-        </p:txBody>
-      </p:sp>
-      <p:sp>
-        <p:nvSpPr>
-          <p:cNvPr id="3" name="Content Placeholder 2"/>
-          <p:cNvSpPr>
-            <a:spLocks noGrp="1"/>
-          </p:cNvSpPr>
-          <p:nvPr>
-            <p:ph idx="1"/>
-          </p:nvPr>
-        </p:nvSpPr>
-        <p:spPr/>
-        <p:txBody>
-          <a:bodyPr/>
-          <a:lstStyle/>
-          <a:p>
-            <a:endParaRPr lang="en-US"/>
+              <a:t>Visualizing </a:t>
+            </a:r>
+            <a:r>
+              <a:rPr lang="en-US" dirty="0"/>
+              <a:t>the result by </a:t>
+            </a:r>
+            <a:r>
+              <a:rPr lang="en-US" dirty="0" smtClean="0"/>
+              <a:t>projecting D-dimensional </a:t>
+            </a:r>
+            <a:r>
+              <a:rPr lang="en-US" dirty="0"/>
+              <a:t>embedding down to two dimensions </a:t>
+            </a:r>
+            <a:r>
+              <a:rPr lang="en-US" dirty="0" smtClean="0"/>
+              <a:t>using the </a:t>
+            </a:r>
+            <a:r>
+              <a:rPr lang="en-US" dirty="0"/>
+              <a:t>t-SNE algorithm</a:t>
+            </a:r>
+          </a:p>
+          <a:p>
+            <a:endParaRPr lang="en-US" sz="2400" dirty="0"/>
           </a:p>
         </p:txBody>
       </p:sp>
     </p:spTree>
     <p:extLst>
       <p:ext uri="{BB962C8B-B14F-4D97-AF65-F5344CB8AC3E}">
-        <p14:creationId xmlns:p14="http://schemas.microsoft.com/office/powerpoint/2010/main" val="166490727"/>
+        <p14:creationId xmlns:p14="http://schemas.microsoft.com/office/powerpoint/2010/main" val="753861254"/>
       </p:ext>
     </p:extLst>
   </p:cSld>
   <p:clrMapOvr>
     <a:masterClrMapping/>
   </p:clrMapOvr>
+  <p:timing>
+    <p:tnLst>
+      <p:par>
+        <p:cTn id="1" dur="indefinite" restart="never" nodeType="tmRoot"/>
+      </p:par>
+    </p:tnLst>
+  </p:timing>
 </p:sld>
 </file>
 
